--- a/1220030122徐梓译.pptx
+++ b/1220030122徐梓译.pptx
@@ -5,7 +5,7 @@
     <p:sldMasterId id="2147483648" r:id="rId1"/>
   </p:sldMasterIdLst>
   <p:notesMasterIdLst>
-    <p:notesMasterId r:id="rId13"/>
+    <p:notesMasterId r:id="rId14"/>
   </p:notesMasterIdLst>
   <p:sldIdLst>
     <p:sldId id="265" r:id="rId3"/>
@@ -16,8 +16,9 @@
     <p:sldId id="290" r:id="rId8"/>
     <p:sldId id="291" r:id="rId9"/>
     <p:sldId id="309" r:id="rId10"/>
-    <p:sldId id="292" r:id="rId11"/>
-    <p:sldId id="310" r:id="rId12"/>
+    <p:sldId id="312" r:id="rId11"/>
+    <p:sldId id="292" r:id="rId12"/>
+    <p:sldId id="310" r:id="rId13"/>
   </p:sldIdLst>
   <p:sldSz cx="9144000" cy="6858000" type="screen4x3"/>
   <p:notesSz cx="6858000" cy="9144000"/>
@@ -4630,14 +4631,14 @@
       </p:grpSpPr>
       <p:sp>
         <p:nvSpPr>
-          <p:cNvPr id="11" name="矩形 10"/>
+          <p:cNvPr id="3" name="矩形 2"/>
           <p:cNvSpPr/>
           <p:nvPr/>
         </p:nvSpPr>
         <p:spPr>
           <a:xfrm>
-            <a:off x="12065" y="-12700"/>
-            <a:ext cx="9144000" cy="3654425"/>
+            <a:off x="-3175" y="0"/>
+            <a:ext cx="9147175" cy="46038"/>
           </a:xfrm>
           <a:prstGeom prst="rect">
             <a:avLst/>
@@ -4682,6 +4683,1749 @@
           </a:p>
         </p:txBody>
       </p:sp>
+      <p:cxnSp>
+        <p:nvCxnSpPr>
+          <p:cNvPr id="6" name="直接连接符 5"/>
+          <p:cNvCxnSpPr/>
+          <p:nvPr/>
+        </p:nvCxnSpPr>
+        <p:spPr>
+          <a:xfrm>
+            <a:off x="-14288" y="1201738"/>
+            <a:ext cx="9147176" cy="0"/>
+          </a:xfrm>
+          <a:prstGeom prst="line">
+            <a:avLst/>
+          </a:prstGeom>
+          <a:ln>
+            <a:solidFill>
+              <a:schemeClr val="tx1">
+                <a:lumMod val="50000"/>
+                <a:lumOff val="50000"/>
+              </a:schemeClr>
+            </a:solidFill>
+          </a:ln>
+        </p:spPr>
+        <p:style>
+          <a:lnRef idx="1">
+            <a:schemeClr val="accent1"/>
+          </a:lnRef>
+          <a:fillRef idx="0">
+            <a:schemeClr val="accent1"/>
+          </a:fillRef>
+          <a:effectRef idx="0">
+            <a:schemeClr val="accent1"/>
+          </a:effectRef>
+          <a:fontRef idx="minor">
+            <a:schemeClr val="tx1"/>
+          </a:fontRef>
+        </p:style>
+      </p:cxnSp>
+      <p:sp>
+        <p:nvSpPr>
+          <p:cNvPr id="10" name="矩形 9"/>
+          <p:cNvSpPr/>
+          <p:nvPr/>
+        </p:nvSpPr>
+        <p:spPr>
+          <a:xfrm>
+            <a:off x="-3175" y="6640513"/>
+            <a:ext cx="9147175" cy="217487"/>
+          </a:xfrm>
+          <a:prstGeom prst="rect">
+            <a:avLst/>
+          </a:prstGeom>
+          <a:solidFill>
+            <a:srgbClr val="5C307D"/>
+          </a:solidFill>
+          <a:ln>
+            <a:noFill/>
+          </a:ln>
+        </p:spPr>
+        <p:style>
+          <a:lnRef idx="2">
+            <a:schemeClr val="accent1">
+              <a:shade val="50000"/>
+            </a:schemeClr>
+          </a:lnRef>
+          <a:fillRef idx="1">
+            <a:schemeClr val="accent1"/>
+          </a:fillRef>
+          <a:effectRef idx="0">
+            <a:schemeClr val="accent1"/>
+          </a:effectRef>
+          <a:fontRef idx="minor">
+            <a:schemeClr val="lt1"/>
+          </a:fontRef>
+        </p:style>
+        <p:txBody>
+          <a:bodyPr anchor="ctr"/>
+          <a:lstStyle/>
+          <a:p>
+            <a:pPr algn="ctr" fontAlgn="auto">
+              <a:spcBef>
+                <a:spcPts val="0"/>
+              </a:spcBef>
+              <a:spcAft>
+                <a:spcPts val="0"/>
+              </a:spcAft>
+              <a:defRPr/>
+            </a:pPr>
+            <a:endParaRPr lang="zh-CN" altLang="en-US"/>
+          </a:p>
+        </p:txBody>
+      </p:sp>
+      <p:sp>
+        <p:nvSpPr>
+          <p:cNvPr id="18437" name="文本框 10"/>
+          <p:cNvSpPr txBox="1">
+            <a:spLocks noChangeArrowheads="1"/>
+          </p:cNvSpPr>
+          <p:nvPr/>
+        </p:nvSpPr>
+        <p:spPr bwMode="auto">
+          <a:xfrm>
+            <a:off x="258604" y="1303338"/>
+            <a:ext cx="1097280" cy="365760"/>
+          </a:xfrm>
+          <a:prstGeom prst="rect">
+            <a:avLst/>
+          </a:prstGeom>
+          <a:noFill/>
+          <a:ln w="9525">
+            <a:noFill/>
+            <a:miter lim="800000"/>
+          </a:ln>
+        </p:spPr>
+        <p:txBody>
+          <a:bodyPr wrap="none">
+            <a:spAutoFit/>
+          </a:bodyPr>
+          <a:lstStyle/>
+          <a:p>
+            <a:pPr algn="ctr"/>
+            <a:r>
+              <a:rPr lang="zh-CN" altLang="en-US">
+                <a:solidFill>
+                  <a:schemeClr val="tx1"/>
+                </a:solidFill>
+                <a:latin typeface="华文楷体"/>
+                <a:ea typeface="华文楷体"/>
+                <a:cs typeface="华文楷体"/>
+              </a:rPr>
+              <a:t>选题背景</a:t>
+            </a:r>
+            <a:endParaRPr lang="zh-CN" altLang="en-US">
+              <a:solidFill>
+                <a:schemeClr val="tx1"/>
+              </a:solidFill>
+              <a:latin typeface="华文楷体"/>
+              <a:ea typeface="华文楷体"/>
+              <a:cs typeface="华文楷体"/>
+            </a:endParaRPr>
+          </a:p>
+        </p:txBody>
+      </p:sp>
+      <p:sp>
+        <p:nvSpPr>
+          <p:cNvPr id="18438" name="文本框 11"/>
+          <p:cNvSpPr txBox="1">
+            <a:spLocks noChangeArrowheads="1"/>
+          </p:cNvSpPr>
+          <p:nvPr/>
+        </p:nvSpPr>
+        <p:spPr bwMode="auto">
+          <a:xfrm>
+            <a:off x="1515110" y="1303338"/>
+            <a:ext cx="1097280" cy="365760"/>
+          </a:xfrm>
+          <a:prstGeom prst="rect">
+            <a:avLst/>
+          </a:prstGeom>
+          <a:noFill/>
+          <a:ln w="9525">
+            <a:noFill/>
+            <a:miter lim="800000"/>
+          </a:ln>
+        </p:spPr>
+        <p:txBody>
+          <a:bodyPr wrap="none">
+            <a:spAutoFit/>
+          </a:bodyPr>
+          <a:lstStyle/>
+          <a:p>
+            <a:pPr algn="ctr"/>
+            <a:r>
+              <a:rPr lang="zh-CN" altLang="en-US">
+                <a:solidFill>
+                  <a:schemeClr val="tx1"/>
+                </a:solidFill>
+                <a:latin typeface="华文楷体"/>
+                <a:ea typeface="华文楷体"/>
+                <a:cs typeface="华文楷体"/>
+              </a:rPr>
+              <a:t>选题意义</a:t>
+            </a:r>
+            <a:endParaRPr lang="zh-CN" altLang="en-US">
+              <a:solidFill>
+                <a:schemeClr val="tx1"/>
+              </a:solidFill>
+              <a:latin typeface="华文楷体"/>
+              <a:ea typeface="华文楷体"/>
+              <a:cs typeface="华文楷体"/>
+            </a:endParaRPr>
+          </a:p>
+        </p:txBody>
+      </p:sp>
+      <p:sp>
+        <p:nvSpPr>
+          <p:cNvPr id="18439" name="文本框 12"/>
+          <p:cNvSpPr txBox="1">
+            <a:spLocks noChangeArrowheads="1"/>
+          </p:cNvSpPr>
+          <p:nvPr/>
+        </p:nvSpPr>
+        <p:spPr bwMode="auto">
+          <a:xfrm>
+            <a:off x="2772411" y="1303338"/>
+            <a:ext cx="1097280" cy="365760"/>
+          </a:xfrm>
+          <a:prstGeom prst="rect">
+            <a:avLst/>
+          </a:prstGeom>
+          <a:noFill/>
+          <a:ln w="9525">
+            <a:noFill/>
+            <a:miter lim="800000"/>
+          </a:ln>
+        </p:spPr>
+        <p:txBody>
+          <a:bodyPr wrap="none">
+            <a:spAutoFit/>
+          </a:bodyPr>
+          <a:lstStyle/>
+          <a:p>
+            <a:pPr algn="ctr"/>
+            <a:r>
+              <a:rPr lang="zh-CN" altLang="en-US">
+                <a:latin typeface="华文楷体"/>
+                <a:ea typeface="华文楷体"/>
+                <a:cs typeface="华文楷体"/>
+              </a:rPr>
+              <a:t>研究过程</a:t>
+            </a:r>
+            <a:endParaRPr lang="zh-CN" altLang="en-US">
+              <a:latin typeface="华文楷体"/>
+              <a:ea typeface="华文楷体"/>
+              <a:cs typeface="华文楷体"/>
+            </a:endParaRPr>
+          </a:p>
+        </p:txBody>
+      </p:sp>
+      <p:sp>
+        <p:nvSpPr>
+          <p:cNvPr id="18440" name="文本框 13"/>
+          <p:cNvSpPr txBox="1">
+            <a:spLocks noChangeArrowheads="1"/>
+          </p:cNvSpPr>
+          <p:nvPr/>
+        </p:nvSpPr>
+        <p:spPr bwMode="auto">
+          <a:xfrm>
+            <a:off x="4029711" y="1303338"/>
+            <a:ext cx="1097280" cy="365760"/>
+          </a:xfrm>
+          <a:prstGeom prst="rect">
+            <a:avLst/>
+          </a:prstGeom>
+          <a:solidFill>
+            <a:srgbClr val="5C307D"/>
+          </a:solidFill>
+          <a:ln w="9525">
+            <a:noFill/>
+            <a:miter lim="800000"/>
+          </a:ln>
+        </p:spPr>
+        <p:txBody>
+          <a:bodyPr wrap="none">
+            <a:spAutoFit/>
+          </a:bodyPr>
+          <a:lstStyle/>
+          <a:p>
+            <a:pPr algn="ctr"/>
+            <a:r>
+              <a:rPr lang="zh-CN" altLang="en-US">
+                <a:solidFill>
+                  <a:schemeClr val="bg1"/>
+                </a:solidFill>
+                <a:latin typeface="华文楷体"/>
+                <a:ea typeface="华文楷体"/>
+                <a:cs typeface="华文楷体"/>
+              </a:rPr>
+              <a:t>研究结论</a:t>
+            </a:r>
+            <a:endParaRPr lang="zh-CN" altLang="en-US">
+              <a:solidFill>
+                <a:schemeClr val="bg1"/>
+              </a:solidFill>
+              <a:latin typeface="华文楷体"/>
+              <a:ea typeface="华文楷体"/>
+              <a:cs typeface="华文楷体"/>
+            </a:endParaRPr>
+          </a:p>
+        </p:txBody>
+      </p:sp>
+      <p:grpSp>
+        <p:nvGrpSpPr>
+          <p:cNvPr id="18444" name="组合 17"/>
+          <p:cNvGrpSpPr/>
+          <p:nvPr/>
+        </p:nvGrpSpPr>
+        <p:grpSpPr bwMode="auto">
+          <a:xfrm>
+            <a:off x="4879975" y="2520950"/>
+            <a:ext cx="3171825" cy="2724150"/>
+            <a:chOff x="4572000" y="2445108"/>
+            <a:chExt cx="5803941" cy="2723550"/>
+          </a:xfrm>
+        </p:grpSpPr>
+        <p:sp>
+          <p:nvSpPr>
+            <p:cNvPr id="19" name="直接连接符 18"/>
+            <p:cNvSpPr/>
+            <p:nvPr/>
+          </p:nvSpPr>
+          <p:spPr>
+            <a:xfrm>
+              <a:off x="4572000" y="5168658"/>
+              <a:ext cx="5803941" cy="0"/>
+            </a:xfrm>
+            <a:prstGeom prst="line">
+              <a:avLst/>
+            </a:prstGeom>
+            <a:ln>
+              <a:solidFill>
+                <a:schemeClr val="tx1">
+                  <a:lumMod val="75000"/>
+                  <a:lumOff val="25000"/>
+                </a:schemeClr>
+              </a:solidFill>
+            </a:ln>
+          </p:spPr>
+          <p:style>
+            <a:lnRef idx="2">
+              <a:schemeClr val="accent1">
+                <a:shade val="60000"/>
+                <a:hueOff val="0"/>
+                <a:satOff val="0"/>
+                <a:lumOff val="0"/>
+                <a:alphaOff val="0"/>
+              </a:schemeClr>
+            </a:lnRef>
+            <a:fillRef idx="0">
+              <a:schemeClr val="accent1">
+                <a:hueOff val="0"/>
+                <a:satOff val="0"/>
+                <a:lumOff val="0"/>
+                <a:alphaOff val="0"/>
+              </a:schemeClr>
+            </a:fillRef>
+            <a:effectRef idx="0">
+              <a:schemeClr val="accent1">
+                <a:hueOff val="0"/>
+                <a:satOff val="0"/>
+                <a:lumOff val="0"/>
+                <a:alphaOff val="0"/>
+              </a:schemeClr>
+            </a:effectRef>
+            <a:fontRef idx="minor">
+              <a:schemeClr val="tx1">
+                <a:hueOff val="0"/>
+                <a:satOff val="0"/>
+                <a:lumOff val="0"/>
+                <a:alphaOff val="0"/>
+              </a:schemeClr>
+            </a:fontRef>
+          </p:style>
+        </p:sp>
+        <p:sp>
+          <p:nvSpPr>
+            <p:cNvPr id="20" name="直接连接符 19"/>
+            <p:cNvSpPr/>
+            <p:nvPr/>
+          </p:nvSpPr>
+          <p:spPr>
+            <a:xfrm>
+              <a:off x="4572000" y="3806883"/>
+              <a:ext cx="5803941" cy="0"/>
+            </a:xfrm>
+            <a:prstGeom prst="line">
+              <a:avLst/>
+            </a:prstGeom>
+            <a:ln>
+              <a:solidFill>
+                <a:schemeClr val="tx1">
+                  <a:lumMod val="75000"/>
+                  <a:lumOff val="25000"/>
+                </a:schemeClr>
+              </a:solidFill>
+            </a:ln>
+          </p:spPr>
+          <p:style>
+            <a:lnRef idx="2">
+              <a:schemeClr val="accent1">
+                <a:shade val="60000"/>
+                <a:hueOff val="0"/>
+                <a:satOff val="0"/>
+                <a:lumOff val="0"/>
+                <a:alphaOff val="0"/>
+              </a:schemeClr>
+            </a:lnRef>
+            <a:fillRef idx="0">
+              <a:schemeClr val="accent1">
+                <a:hueOff val="0"/>
+                <a:satOff val="0"/>
+                <a:lumOff val="0"/>
+                <a:alphaOff val="0"/>
+              </a:schemeClr>
+            </a:fillRef>
+            <a:effectRef idx="0">
+              <a:schemeClr val="accent1">
+                <a:hueOff val="0"/>
+                <a:satOff val="0"/>
+                <a:lumOff val="0"/>
+                <a:alphaOff val="0"/>
+              </a:schemeClr>
+            </a:effectRef>
+            <a:fontRef idx="minor">
+              <a:schemeClr val="tx1">
+                <a:hueOff val="0"/>
+                <a:satOff val="0"/>
+                <a:lumOff val="0"/>
+                <a:alphaOff val="0"/>
+              </a:schemeClr>
+            </a:fontRef>
+          </p:style>
+        </p:sp>
+        <p:sp>
+          <p:nvSpPr>
+            <p:cNvPr id="21" name="直接连接符 20"/>
+            <p:cNvSpPr/>
+            <p:nvPr/>
+          </p:nvSpPr>
+          <p:spPr>
+            <a:xfrm>
+              <a:off x="4572000" y="2445108"/>
+              <a:ext cx="5803941" cy="0"/>
+            </a:xfrm>
+            <a:prstGeom prst="line">
+              <a:avLst/>
+            </a:prstGeom>
+            <a:ln>
+              <a:solidFill>
+                <a:schemeClr val="tx1">
+                  <a:lumMod val="75000"/>
+                  <a:lumOff val="25000"/>
+                </a:schemeClr>
+              </a:solidFill>
+            </a:ln>
+          </p:spPr>
+          <p:style>
+            <a:lnRef idx="2">
+              <a:schemeClr val="accent1">
+                <a:shade val="60000"/>
+                <a:hueOff val="0"/>
+                <a:satOff val="0"/>
+                <a:lumOff val="0"/>
+                <a:alphaOff val="0"/>
+              </a:schemeClr>
+            </a:lnRef>
+            <a:fillRef idx="0">
+              <a:schemeClr val="accent1">
+                <a:hueOff val="0"/>
+                <a:satOff val="0"/>
+                <a:lumOff val="0"/>
+                <a:alphaOff val="0"/>
+              </a:schemeClr>
+            </a:fillRef>
+            <a:effectRef idx="0">
+              <a:schemeClr val="accent1">
+                <a:hueOff val="0"/>
+                <a:satOff val="0"/>
+                <a:lumOff val="0"/>
+                <a:alphaOff val="0"/>
+              </a:schemeClr>
+            </a:effectRef>
+            <a:fontRef idx="minor">
+              <a:schemeClr val="tx1">
+                <a:hueOff val="0"/>
+                <a:satOff val="0"/>
+                <a:lumOff val="0"/>
+                <a:alphaOff val="0"/>
+              </a:schemeClr>
+            </a:fontRef>
+          </p:style>
+        </p:sp>
+      </p:grpSp>
+      <p:sp>
+        <p:nvSpPr>
+          <p:cNvPr id="23" name="任意多边形 22"/>
+          <p:cNvSpPr/>
+          <p:nvPr/>
+        </p:nvSpPr>
+        <p:spPr>
+          <a:xfrm>
+            <a:off x="4879975" y="2074863"/>
+            <a:ext cx="1728000" cy="432000"/>
+          </a:xfrm>
+          <a:custGeom>
+            <a:avLst/>
+            <a:gdLst>
+              <a:gd name="connsiteX0" fmla="*/ 74421 w 1509024"/>
+              <a:gd name="connsiteY0" fmla="*/ 0 h 446439"/>
+              <a:gd name="connsiteX1" fmla="*/ 1434603 w 1509024"/>
+              <a:gd name="connsiteY1" fmla="*/ 0 h 446439"/>
+              <a:gd name="connsiteX2" fmla="*/ 1509024 w 1509024"/>
+              <a:gd name="connsiteY2" fmla="*/ 74421 h 446439"/>
+              <a:gd name="connsiteX3" fmla="*/ 1509024 w 1509024"/>
+              <a:gd name="connsiteY3" fmla="*/ 446439 h 446439"/>
+              <a:gd name="connsiteX4" fmla="*/ 1509024 w 1509024"/>
+              <a:gd name="connsiteY4" fmla="*/ 446439 h 446439"/>
+              <a:gd name="connsiteX5" fmla="*/ 0 w 1509024"/>
+              <a:gd name="connsiteY5" fmla="*/ 446439 h 446439"/>
+              <a:gd name="connsiteX6" fmla="*/ 0 w 1509024"/>
+              <a:gd name="connsiteY6" fmla="*/ 446439 h 446439"/>
+              <a:gd name="connsiteX7" fmla="*/ 0 w 1509024"/>
+              <a:gd name="connsiteY7" fmla="*/ 74421 h 446439"/>
+              <a:gd name="connsiteX8" fmla="*/ 74421 w 1509024"/>
+              <a:gd name="connsiteY8" fmla="*/ 0 h 446439"/>
+            </a:gdLst>
+            <a:ahLst/>
+            <a:cxnLst>
+              <a:cxn ang="0">
+                <a:pos x="connsiteX0" y="connsiteY0"/>
+              </a:cxn>
+              <a:cxn ang="0">
+                <a:pos x="connsiteX1" y="connsiteY1"/>
+              </a:cxn>
+              <a:cxn ang="0">
+                <a:pos x="connsiteX2" y="connsiteY2"/>
+              </a:cxn>
+              <a:cxn ang="0">
+                <a:pos x="connsiteX3" y="connsiteY3"/>
+              </a:cxn>
+              <a:cxn ang="0">
+                <a:pos x="connsiteX4" y="connsiteY4"/>
+              </a:cxn>
+              <a:cxn ang="0">
+                <a:pos x="connsiteX5" y="connsiteY5"/>
+              </a:cxn>
+              <a:cxn ang="0">
+                <a:pos x="connsiteX6" y="connsiteY6"/>
+              </a:cxn>
+              <a:cxn ang="0">
+                <a:pos x="connsiteX7" y="connsiteY7"/>
+              </a:cxn>
+              <a:cxn ang="0">
+                <a:pos x="connsiteX8" y="connsiteY8"/>
+              </a:cxn>
+            </a:cxnLst>
+            <a:rect l="l" t="t" r="r" b="b"/>
+            <a:pathLst>
+              <a:path w="1509024" h="446439">
+                <a:moveTo>
+                  <a:pt x="74421" y="0"/>
+                </a:moveTo>
+                <a:lnTo>
+                  <a:pt x="1434603" y="0"/>
+                </a:lnTo>
+                <a:cubicBezTo>
+                  <a:pt x="1475705" y="0"/>
+                  <a:pt x="1509024" y="33319"/>
+                  <a:pt x="1509024" y="74421"/>
+                </a:cubicBezTo>
+                <a:lnTo>
+                  <a:pt x="1509024" y="446439"/>
+                </a:lnTo>
+                <a:lnTo>
+                  <a:pt x="1509024" y="446439"/>
+                </a:lnTo>
+                <a:lnTo>
+                  <a:pt x="0" y="446439"/>
+                </a:lnTo>
+                <a:lnTo>
+                  <a:pt x="0" y="446439"/>
+                </a:lnTo>
+                <a:lnTo>
+                  <a:pt x="0" y="74421"/>
+                </a:lnTo>
+                <a:cubicBezTo>
+                  <a:pt x="0" y="33319"/>
+                  <a:pt x="33319" y="0"/>
+                  <a:pt x="74421" y="0"/>
+                </a:cubicBezTo>
+                <a:close/>
+              </a:path>
+            </a:pathLst>
+          </a:custGeom>
+          <a:solidFill>
+            <a:srgbClr val="5C307D"/>
+          </a:solidFill>
+          <a:ln>
+            <a:noFill/>
+          </a:ln>
+        </p:spPr>
+        <p:style>
+          <a:lnRef idx="2">
+            <a:schemeClr val="accent1">
+              <a:hueOff val="0"/>
+              <a:satOff val="0"/>
+              <a:lumOff val="0"/>
+              <a:alphaOff val="0"/>
+            </a:schemeClr>
+          </a:lnRef>
+          <a:fillRef idx="1">
+            <a:scrgbClr r="0" g="0" b="0"/>
+          </a:fillRef>
+          <a:effectRef idx="0">
+            <a:schemeClr val="accent1">
+              <a:hueOff val="0"/>
+              <a:satOff val="0"/>
+              <a:lumOff val="0"/>
+              <a:alphaOff val="0"/>
+            </a:schemeClr>
+          </a:effectRef>
+          <a:fontRef idx="minor">
+            <a:schemeClr val="lt1"/>
+          </a:fontRef>
+        </p:style>
+        <p:txBody>
+          <a:bodyPr lIns="0" tIns="0" rIns="0" bIns="0" spcCol="1270" anchor="ctr"/>
+          <a:lstStyle/>
+          <a:p>
+            <a:pPr fontAlgn="auto">
+              <a:lnSpc>
+                <a:spcPct val="90000"/>
+              </a:lnSpc>
+              <a:spcAft>
+                <a:spcPct val="35000"/>
+              </a:spcAft>
+              <a:defRPr/>
+            </a:pPr>
+            <a:r>
+              <a:rPr lang="zh-CN" altLang="en-US" dirty="0">
+                <a:solidFill>
+                  <a:schemeClr val="bg1"/>
+                </a:solidFill>
+                <a:ea typeface="华文楷体" pitchFamily="2" charset="-122"/>
+              </a:rPr>
+              <a:t>设计与开发流程</a:t>
+            </a:r>
+            <a:endParaRPr lang="zh-CN" altLang="en-US" dirty="0">
+              <a:solidFill>
+                <a:schemeClr val="bg1"/>
+              </a:solidFill>
+              <a:ea typeface="华文楷体" pitchFamily="2" charset="-122"/>
+            </a:endParaRPr>
+          </a:p>
+        </p:txBody>
+      </p:sp>
+      <p:sp>
+        <p:nvSpPr>
+          <p:cNvPr id="24" name="任意多边形 23"/>
+          <p:cNvSpPr/>
+          <p:nvPr/>
+        </p:nvSpPr>
+        <p:spPr>
+          <a:xfrm>
+            <a:off x="4819650" y="2613600"/>
+            <a:ext cx="3400425" cy="893762"/>
+          </a:xfrm>
+          <a:custGeom>
+            <a:avLst/>
+            <a:gdLst>
+              <a:gd name="connsiteX0" fmla="*/ 0 w 5803941"/>
+              <a:gd name="connsiteY0" fmla="*/ 0 h 893013"/>
+              <a:gd name="connsiteX1" fmla="*/ 5803941 w 5803941"/>
+              <a:gd name="connsiteY1" fmla="*/ 0 h 893013"/>
+              <a:gd name="connsiteX2" fmla="*/ 5803941 w 5803941"/>
+              <a:gd name="connsiteY2" fmla="*/ 893013 h 893013"/>
+              <a:gd name="connsiteX3" fmla="*/ 0 w 5803941"/>
+              <a:gd name="connsiteY3" fmla="*/ 893013 h 893013"/>
+              <a:gd name="connsiteX4" fmla="*/ 0 w 5803941"/>
+              <a:gd name="connsiteY4" fmla="*/ 0 h 893013"/>
+            </a:gdLst>
+            <a:ahLst/>
+            <a:cxnLst>
+              <a:cxn ang="0">
+                <a:pos x="connsiteX0" y="connsiteY0"/>
+              </a:cxn>
+              <a:cxn ang="0">
+                <a:pos x="connsiteX1" y="connsiteY1"/>
+              </a:cxn>
+              <a:cxn ang="0">
+                <a:pos x="connsiteX2" y="connsiteY2"/>
+              </a:cxn>
+              <a:cxn ang="0">
+                <a:pos x="connsiteX3" y="connsiteY3"/>
+              </a:cxn>
+              <a:cxn ang="0">
+                <a:pos x="connsiteX4" y="connsiteY4"/>
+              </a:cxn>
+            </a:cxnLst>
+            <a:rect l="l" t="t" r="r" b="b"/>
+            <a:pathLst>
+              <a:path w="5803941" h="893013">
+                <a:moveTo>
+                  <a:pt x="0" y="0"/>
+                </a:moveTo>
+                <a:lnTo>
+                  <a:pt x="5803941" y="0"/>
+                </a:lnTo>
+                <a:lnTo>
+                  <a:pt x="5803941" y="893013"/>
+                </a:lnTo>
+                <a:lnTo>
+                  <a:pt x="0" y="893013"/>
+                </a:lnTo>
+                <a:lnTo>
+                  <a:pt x="0" y="0"/>
+                </a:lnTo>
+                <a:close/>
+              </a:path>
+            </a:pathLst>
+          </a:custGeom>
+        </p:spPr>
+        <p:style>
+          <a:lnRef idx="0">
+            <a:schemeClr val="dk1">
+              <a:alpha val="0"/>
+              <a:hueOff val="0"/>
+              <a:satOff val="0"/>
+              <a:lumOff val="0"/>
+              <a:alphaOff val="0"/>
+            </a:schemeClr>
+          </a:lnRef>
+          <a:fillRef idx="0">
+            <a:schemeClr val="lt1">
+              <a:alpha val="0"/>
+              <a:hueOff val="0"/>
+              <a:satOff val="0"/>
+              <a:lumOff val="0"/>
+              <a:alphaOff val="0"/>
+            </a:schemeClr>
+          </a:fillRef>
+          <a:effectRef idx="0">
+            <a:schemeClr val="lt1">
+              <a:alpha val="0"/>
+              <a:hueOff val="0"/>
+              <a:satOff val="0"/>
+              <a:lumOff val="0"/>
+              <a:alphaOff val="0"/>
+            </a:schemeClr>
+          </a:effectRef>
+          <a:fontRef idx="minor">
+            <a:schemeClr val="tx1">
+              <a:hueOff val="0"/>
+              <a:satOff val="0"/>
+              <a:lumOff val="0"/>
+              <a:alphaOff val="0"/>
+            </a:schemeClr>
+          </a:fontRef>
+        </p:style>
+        <p:txBody>
+          <a:bodyPr lIns="38100" tIns="38100" rIns="38100" bIns="38100" spcCol="1270"/>
+          <a:lstStyle/>
+          <a:p>
+            <a:pPr marL="0" lvl="1" indent="0" fontAlgn="auto">
+              <a:lnSpc>
+                <a:spcPct val="90000"/>
+              </a:lnSpc>
+              <a:spcAft>
+                <a:spcPct val="15000"/>
+              </a:spcAft>
+              <a:buFontTx/>
+              <a:buNone/>
+              <a:defRPr/>
+            </a:pPr>
+            <a:r>
+              <a:rPr lang="zh-CN" altLang="en-US" dirty="0">
+                <a:solidFill>
+                  <a:schemeClr val="tx1">
+                    <a:lumMod val="75000"/>
+                    <a:lumOff val="25000"/>
+                  </a:schemeClr>
+                </a:solidFill>
+                <a:ea typeface="华文楷体" pitchFamily="2" charset="-122"/>
+              </a:rPr>
+              <a:t>通过本次毕设对于项目的确立，开发中的购置硬件，以及后期功能结合，有了全新的认识。</a:t>
+            </a:r>
+            <a:endParaRPr lang="zh-CN" altLang="en-US" dirty="0">
+              <a:solidFill>
+                <a:schemeClr val="tx1">
+                  <a:lumMod val="75000"/>
+                  <a:lumOff val="25000"/>
+                </a:schemeClr>
+              </a:solidFill>
+              <a:ea typeface="华文楷体" pitchFamily="2" charset="-122"/>
+            </a:endParaRPr>
+          </a:p>
+        </p:txBody>
+      </p:sp>
+      <p:sp>
+        <p:nvSpPr>
+          <p:cNvPr id="25" name="任意多边形 24"/>
+          <p:cNvSpPr/>
+          <p:nvPr/>
+        </p:nvSpPr>
+        <p:spPr>
+          <a:xfrm>
+            <a:off x="4879975" y="3436938"/>
+            <a:ext cx="936000" cy="432000"/>
+          </a:xfrm>
+          <a:custGeom>
+            <a:avLst/>
+            <a:gdLst>
+              <a:gd name="connsiteX0" fmla="*/ 74421 w 1509024"/>
+              <a:gd name="connsiteY0" fmla="*/ 0 h 446439"/>
+              <a:gd name="connsiteX1" fmla="*/ 1434603 w 1509024"/>
+              <a:gd name="connsiteY1" fmla="*/ 0 h 446439"/>
+              <a:gd name="connsiteX2" fmla="*/ 1509024 w 1509024"/>
+              <a:gd name="connsiteY2" fmla="*/ 74421 h 446439"/>
+              <a:gd name="connsiteX3" fmla="*/ 1509024 w 1509024"/>
+              <a:gd name="connsiteY3" fmla="*/ 446439 h 446439"/>
+              <a:gd name="connsiteX4" fmla="*/ 1509024 w 1509024"/>
+              <a:gd name="connsiteY4" fmla="*/ 446439 h 446439"/>
+              <a:gd name="connsiteX5" fmla="*/ 0 w 1509024"/>
+              <a:gd name="connsiteY5" fmla="*/ 446439 h 446439"/>
+              <a:gd name="connsiteX6" fmla="*/ 0 w 1509024"/>
+              <a:gd name="connsiteY6" fmla="*/ 446439 h 446439"/>
+              <a:gd name="connsiteX7" fmla="*/ 0 w 1509024"/>
+              <a:gd name="connsiteY7" fmla="*/ 74421 h 446439"/>
+              <a:gd name="connsiteX8" fmla="*/ 74421 w 1509024"/>
+              <a:gd name="connsiteY8" fmla="*/ 0 h 446439"/>
+            </a:gdLst>
+            <a:ahLst/>
+            <a:cxnLst>
+              <a:cxn ang="0">
+                <a:pos x="connsiteX0" y="connsiteY0"/>
+              </a:cxn>
+              <a:cxn ang="0">
+                <a:pos x="connsiteX1" y="connsiteY1"/>
+              </a:cxn>
+              <a:cxn ang="0">
+                <a:pos x="connsiteX2" y="connsiteY2"/>
+              </a:cxn>
+              <a:cxn ang="0">
+                <a:pos x="connsiteX3" y="connsiteY3"/>
+              </a:cxn>
+              <a:cxn ang="0">
+                <a:pos x="connsiteX4" y="connsiteY4"/>
+              </a:cxn>
+              <a:cxn ang="0">
+                <a:pos x="connsiteX5" y="connsiteY5"/>
+              </a:cxn>
+              <a:cxn ang="0">
+                <a:pos x="connsiteX6" y="connsiteY6"/>
+              </a:cxn>
+              <a:cxn ang="0">
+                <a:pos x="connsiteX7" y="connsiteY7"/>
+              </a:cxn>
+              <a:cxn ang="0">
+                <a:pos x="connsiteX8" y="connsiteY8"/>
+              </a:cxn>
+            </a:cxnLst>
+            <a:rect l="l" t="t" r="r" b="b"/>
+            <a:pathLst>
+              <a:path w="1509024" h="446439">
+                <a:moveTo>
+                  <a:pt x="74421" y="0"/>
+                </a:moveTo>
+                <a:lnTo>
+                  <a:pt x="1434603" y="0"/>
+                </a:lnTo>
+                <a:cubicBezTo>
+                  <a:pt x="1475705" y="0"/>
+                  <a:pt x="1509024" y="33319"/>
+                  <a:pt x="1509024" y="74421"/>
+                </a:cubicBezTo>
+                <a:lnTo>
+                  <a:pt x="1509024" y="446439"/>
+                </a:lnTo>
+                <a:lnTo>
+                  <a:pt x="1509024" y="446439"/>
+                </a:lnTo>
+                <a:lnTo>
+                  <a:pt x="0" y="446439"/>
+                </a:lnTo>
+                <a:lnTo>
+                  <a:pt x="0" y="446439"/>
+                </a:lnTo>
+                <a:lnTo>
+                  <a:pt x="0" y="74421"/>
+                </a:lnTo>
+                <a:cubicBezTo>
+                  <a:pt x="0" y="33319"/>
+                  <a:pt x="33319" y="0"/>
+                  <a:pt x="74421" y="0"/>
+                </a:cubicBezTo>
+                <a:close/>
+              </a:path>
+            </a:pathLst>
+          </a:custGeom>
+          <a:solidFill>
+            <a:srgbClr val="5C307D"/>
+          </a:solidFill>
+          <a:ln>
+            <a:noFill/>
+          </a:ln>
+        </p:spPr>
+        <p:style>
+          <a:lnRef idx="2">
+            <a:schemeClr val="accent1">
+              <a:hueOff val="0"/>
+              <a:satOff val="0"/>
+              <a:lumOff val="0"/>
+              <a:alphaOff val="0"/>
+            </a:schemeClr>
+          </a:lnRef>
+          <a:fillRef idx="1">
+            <a:scrgbClr r="0" g="0" b="0"/>
+          </a:fillRef>
+          <a:effectRef idx="0">
+            <a:schemeClr val="accent1">
+              <a:hueOff val="0"/>
+              <a:satOff val="0"/>
+              <a:lumOff val="0"/>
+              <a:alphaOff val="0"/>
+            </a:schemeClr>
+          </a:effectRef>
+          <a:fontRef idx="minor">
+            <a:schemeClr val="lt1"/>
+          </a:fontRef>
+        </p:style>
+        <p:txBody>
+          <a:bodyPr lIns="0" tIns="0" rIns="0" bIns="0" spcCol="1270" anchor="ctr"/>
+          <a:lstStyle/>
+          <a:p>
+            <a:pPr fontAlgn="auto">
+              <a:lnSpc>
+                <a:spcPct val="90000"/>
+              </a:lnSpc>
+              <a:spcAft>
+                <a:spcPct val="35000"/>
+              </a:spcAft>
+              <a:defRPr/>
+            </a:pPr>
+            <a:r>
+              <a:rPr lang="zh-CN" altLang="en-US" dirty="0">
+                <a:solidFill>
+                  <a:schemeClr val="bg1"/>
+                </a:solidFill>
+                <a:ea typeface="华文楷体" pitchFamily="2" charset="-122"/>
+              </a:rPr>
+              <a:t>开发教训</a:t>
+            </a:r>
+            <a:endParaRPr lang="zh-CN" altLang="en-US" dirty="0">
+              <a:solidFill>
+                <a:schemeClr val="bg1"/>
+              </a:solidFill>
+              <a:ea typeface="华文楷体" pitchFamily="2" charset="-122"/>
+            </a:endParaRPr>
+          </a:p>
+        </p:txBody>
+      </p:sp>
+      <p:sp>
+        <p:nvSpPr>
+          <p:cNvPr id="26" name="任意多边形 25"/>
+          <p:cNvSpPr/>
+          <p:nvPr/>
+        </p:nvSpPr>
+        <p:spPr>
+          <a:xfrm>
+            <a:off x="4819650" y="3978000"/>
+            <a:ext cx="3400425" cy="893762"/>
+          </a:xfrm>
+          <a:custGeom>
+            <a:avLst/>
+            <a:gdLst>
+              <a:gd name="connsiteX0" fmla="*/ 0 w 5803941"/>
+              <a:gd name="connsiteY0" fmla="*/ 0 h 893013"/>
+              <a:gd name="connsiteX1" fmla="*/ 5803941 w 5803941"/>
+              <a:gd name="connsiteY1" fmla="*/ 0 h 893013"/>
+              <a:gd name="connsiteX2" fmla="*/ 5803941 w 5803941"/>
+              <a:gd name="connsiteY2" fmla="*/ 893013 h 893013"/>
+              <a:gd name="connsiteX3" fmla="*/ 0 w 5803941"/>
+              <a:gd name="connsiteY3" fmla="*/ 893013 h 893013"/>
+              <a:gd name="connsiteX4" fmla="*/ 0 w 5803941"/>
+              <a:gd name="connsiteY4" fmla="*/ 0 h 893013"/>
+            </a:gdLst>
+            <a:ahLst/>
+            <a:cxnLst>
+              <a:cxn ang="0">
+                <a:pos x="connsiteX0" y="connsiteY0"/>
+              </a:cxn>
+              <a:cxn ang="0">
+                <a:pos x="connsiteX1" y="connsiteY1"/>
+              </a:cxn>
+              <a:cxn ang="0">
+                <a:pos x="connsiteX2" y="connsiteY2"/>
+              </a:cxn>
+              <a:cxn ang="0">
+                <a:pos x="connsiteX3" y="connsiteY3"/>
+              </a:cxn>
+              <a:cxn ang="0">
+                <a:pos x="connsiteX4" y="connsiteY4"/>
+              </a:cxn>
+            </a:cxnLst>
+            <a:rect l="l" t="t" r="r" b="b"/>
+            <a:pathLst>
+              <a:path w="5803941" h="893013">
+                <a:moveTo>
+                  <a:pt x="0" y="0"/>
+                </a:moveTo>
+                <a:lnTo>
+                  <a:pt x="5803941" y="0"/>
+                </a:lnTo>
+                <a:lnTo>
+                  <a:pt x="5803941" y="893013"/>
+                </a:lnTo>
+                <a:lnTo>
+                  <a:pt x="0" y="893013"/>
+                </a:lnTo>
+                <a:lnTo>
+                  <a:pt x="0" y="0"/>
+                </a:lnTo>
+                <a:close/>
+              </a:path>
+            </a:pathLst>
+          </a:custGeom>
+        </p:spPr>
+        <p:style>
+          <a:lnRef idx="0">
+            <a:schemeClr val="dk1">
+              <a:alpha val="0"/>
+              <a:hueOff val="0"/>
+              <a:satOff val="0"/>
+              <a:lumOff val="0"/>
+              <a:alphaOff val="0"/>
+            </a:schemeClr>
+          </a:lnRef>
+          <a:fillRef idx="0">
+            <a:schemeClr val="lt1">
+              <a:alpha val="0"/>
+              <a:hueOff val="0"/>
+              <a:satOff val="0"/>
+              <a:lumOff val="0"/>
+              <a:alphaOff val="0"/>
+            </a:schemeClr>
+          </a:fillRef>
+          <a:effectRef idx="0">
+            <a:schemeClr val="lt1">
+              <a:alpha val="0"/>
+              <a:hueOff val="0"/>
+              <a:satOff val="0"/>
+              <a:lumOff val="0"/>
+              <a:alphaOff val="0"/>
+            </a:schemeClr>
+          </a:effectRef>
+          <a:fontRef idx="minor">
+            <a:schemeClr val="tx1">
+              <a:hueOff val="0"/>
+              <a:satOff val="0"/>
+              <a:lumOff val="0"/>
+              <a:alphaOff val="0"/>
+            </a:schemeClr>
+          </a:fontRef>
+        </p:style>
+        <p:txBody>
+          <a:bodyPr lIns="38100" tIns="38100" rIns="38100" bIns="38100" spcCol="1270"/>
+          <a:lstStyle/>
+          <a:p>
+            <a:pPr marL="0" lvl="1" indent="0" fontAlgn="auto">
+              <a:lnSpc>
+                <a:spcPct val="90000"/>
+              </a:lnSpc>
+              <a:spcAft>
+                <a:spcPct val="15000"/>
+              </a:spcAft>
+              <a:buFontTx/>
+              <a:buNone/>
+              <a:defRPr/>
+            </a:pPr>
+            <a:r>
+              <a:rPr lang="zh-CN" altLang="en-US" dirty="0">
+                <a:solidFill>
+                  <a:schemeClr val="tx1">
+                    <a:lumMod val="75000"/>
+                    <a:lumOff val="25000"/>
+                  </a:schemeClr>
+                </a:solidFill>
+                <a:ea typeface="华文楷体" pitchFamily="2" charset="-122"/>
+              </a:rPr>
+              <a:t>本次毕设由于是第一次进行单片机项目开发，整个过程中犯了很多错误，包括零件购置、焊接等。</a:t>
+            </a:r>
+            <a:endParaRPr lang="zh-CN" altLang="en-US" dirty="0">
+              <a:solidFill>
+                <a:schemeClr val="tx1">
+                  <a:lumMod val="75000"/>
+                  <a:lumOff val="25000"/>
+                </a:schemeClr>
+              </a:solidFill>
+              <a:ea typeface="华文楷体" pitchFamily="2" charset="-122"/>
+            </a:endParaRPr>
+          </a:p>
+        </p:txBody>
+      </p:sp>
+      <p:sp>
+        <p:nvSpPr>
+          <p:cNvPr id="27" name="任意多边形 26"/>
+          <p:cNvSpPr/>
+          <p:nvPr/>
+        </p:nvSpPr>
+        <p:spPr>
+          <a:xfrm>
+            <a:off x="4879975" y="4799013"/>
+            <a:ext cx="936000" cy="432000"/>
+          </a:xfrm>
+          <a:custGeom>
+            <a:avLst/>
+            <a:gdLst>
+              <a:gd name="connsiteX0" fmla="*/ 74421 w 1509024"/>
+              <a:gd name="connsiteY0" fmla="*/ 0 h 446439"/>
+              <a:gd name="connsiteX1" fmla="*/ 1434603 w 1509024"/>
+              <a:gd name="connsiteY1" fmla="*/ 0 h 446439"/>
+              <a:gd name="connsiteX2" fmla="*/ 1509024 w 1509024"/>
+              <a:gd name="connsiteY2" fmla="*/ 74421 h 446439"/>
+              <a:gd name="connsiteX3" fmla="*/ 1509024 w 1509024"/>
+              <a:gd name="connsiteY3" fmla="*/ 446439 h 446439"/>
+              <a:gd name="connsiteX4" fmla="*/ 1509024 w 1509024"/>
+              <a:gd name="connsiteY4" fmla="*/ 446439 h 446439"/>
+              <a:gd name="connsiteX5" fmla="*/ 0 w 1509024"/>
+              <a:gd name="connsiteY5" fmla="*/ 446439 h 446439"/>
+              <a:gd name="connsiteX6" fmla="*/ 0 w 1509024"/>
+              <a:gd name="connsiteY6" fmla="*/ 446439 h 446439"/>
+              <a:gd name="connsiteX7" fmla="*/ 0 w 1509024"/>
+              <a:gd name="connsiteY7" fmla="*/ 74421 h 446439"/>
+              <a:gd name="connsiteX8" fmla="*/ 74421 w 1509024"/>
+              <a:gd name="connsiteY8" fmla="*/ 0 h 446439"/>
+            </a:gdLst>
+            <a:ahLst/>
+            <a:cxnLst>
+              <a:cxn ang="0">
+                <a:pos x="connsiteX0" y="connsiteY0"/>
+              </a:cxn>
+              <a:cxn ang="0">
+                <a:pos x="connsiteX1" y="connsiteY1"/>
+              </a:cxn>
+              <a:cxn ang="0">
+                <a:pos x="connsiteX2" y="connsiteY2"/>
+              </a:cxn>
+              <a:cxn ang="0">
+                <a:pos x="connsiteX3" y="connsiteY3"/>
+              </a:cxn>
+              <a:cxn ang="0">
+                <a:pos x="connsiteX4" y="connsiteY4"/>
+              </a:cxn>
+              <a:cxn ang="0">
+                <a:pos x="connsiteX5" y="connsiteY5"/>
+              </a:cxn>
+              <a:cxn ang="0">
+                <a:pos x="connsiteX6" y="connsiteY6"/>
+              </a:cxn>
+              <a:cxn ang="0">
+                <a:pos x="connsiteX7" y="connsiteY7"/>
+              </a:cxn>
+              <a:cxn ang="0">
+                <a:pos x="connsiteX8" y="connsiteY8"/>
+              </a:cxn>
+            </a:cxnLst>
+            <a:rect l="l" t="t" r="r" b="b"/>
+            <a:pathLst>
+              <a:path w="1509024" h="446439">
+                <a:moveTo>
+                  <a:pt x="74421" y="0"/>
+                </a:moveTo>
+                <a:lnTo>
+                  <a:pt x="1434603" y="0"/>
+                </a:lnTo>
+                <a:cubicBezTo>
+                  <a:pt x="1475705" y="0"/>
+                  <a:pt x="1509024" y="33319"/>
+                  <a:pt x="1509024" y="74421"/>
+                </a:cubicBezTo>
+                <a:lnTo>
+                  <a:pt x="1509024" y="446439"/>
+                </a:lnTo>
+                <a:lnTo>
+                  <a:pt x="1509024" y="446439"/>
+                </a:lnTo>
+                <a:lnTo>
+                  <a:pt x="0" y="446439"/>
+                </a:lnTo>
+                <a:lnTo>
+                  <a:pt x="0" y="446439"/>
+                </a:lnTo>
+                <a:lnTo>
+                  <a:pt x="0" y="74421"/>
+                </a:lnTo>
+                <a:cubicBezTo>
+                  <a:pt x="0" y="33319"/>
+                  <a:pt x="33319" y="0"/>
+                  <a:pt x="74421" y="0"/>
+                </a:cubicBezTo>
+                <a:close/>
+              </a:path>
+            </a:pathLst>
+          </a:custGeom>
+          <a:solidFill>
+            <a:srgbClr val="5C307D"/>
+          </a:solidFill>
+          <a:ln>
+            <a:noFill/>
+          </a:ln>
+        </p:spPr>
+        <p:style>
+          <a:lnRef idx="2">
+            <a:schemeClr val="accent1">
+              <a:hueOff val="0"/>
+              <a:satOff val="0"/>
+              <a:lumOff val="0"/>
+              <a:alphaOff val="0"/>
+            </a:schemeClr>
+          </a:lnRef>
+          <a:fillRef idx="1">
+            <a:scrgbClr r="0" g="0" b="0"/>
+          </a:fillRef>
+          <a:effectRef idx="0">
+            <a:schemeClr val="accent1">
+              <a:hueOff val="0"/>
+              <a:satOff val="0"/>
+              <a:lumOff val="0"/>
+              <a:alphaOff val="0"/>
+            </a:schemeClr>
+          </a:effectRef>
+          <a:fontRef idx="minor">
+            <a:schemeClr val="lt1"/>
+          </a:fontRef>
+        </p:style>
+        <p:txBody>
+          <a:bodyPr lIns="0" tIns="0" rIns="0" bIns="0" spcCol="1270" anchor="ctr"/>
+          <a:lstStyle/>
+          <a:p>
+            <a:pPr fontAlgn="auto">
+              <a:lnSpc>
+                <a:spcPct val="90000"/>
+              </a:lnSpc>
+              <a:spcAft>
+                <a:spcPct val="35000"/>
+              </a:spcAft>
+              <a:defRPr/>
+            </a:pPr>
+            <a:r>
+              <a:rPr lang="zh-CN" altLang="en-US" dirty="0">
+                <a:solidFill>
+                  <a:schemeClr val="bg1"/>
+                </a:solidFill>
+                <a:ea typeface="华文楷体" pitchFamily="2" charset="-122"/>
+              </a:rPr>
+              <a:t>经验总结</a:t>
+            </a:r>
+            <a:endParaRPr lang="zh-CN" altLang="en-US" dirty="0">
+              <a:solidFill>
+                <a:schemeClr val="bg1"/>
+              </a:solidFill>
+              <a:ea typeface="华文楷体" pitchFamily="2" charset="-122"/>
+            </a:endParaRPr>
+          </a:p>
+        </p:txBody>
+      </p:sp>
+      <p:sp>
+        <p:nvSpPr>
+          <p:cNvPr id="28" name="任意多边形 27"/>
+          <p:cNvSpPr/>
+          <p:nvPr/>
+        </p:nvSpPr>
+        <p:spPr>
+          <a:xfrm>
+            <a:off x="4879975" y="5338800"/>
+            <a:ext cx="3340100" cy="893762"/>
+          </a:xfrm>
+          <a:custGeom>
+            <a:avLst/>
+            <a:gdLst>
+              <a:gd name="connsiteX0" fmla="*/ 0 w 5803941"/>
+              <a:gd name="connsiteY0" fmla="*/ 0 h 893013"/>
+              <a:gd name="connsiteX1" fmla="*/ 5803941 w 5803941"/>
+              <a:gd name="connsiteY1" fmla="*/ 0 h 893013"/>
+              <a:gd name="connsiteX2" fmla="*/ 5803941 w 5803941"/>
+              <a:gd name="connsiteY2" fmla="*/ 893013 h 893013"/>
+              <a:gd name="connsiteX3" fmla="*/ 0 w 5803941"/>
+              <a:gd name="connsiteY3" fmla="*/ 893013 h 893013"/>
+              <a:gd name="connsiteX4" fmla="*/ 0 w 5803941"/>
+              <a:gd name="connsiteY4" fmla="*/ 0 h 893013"/>
+            </a:gdLst>
+            <a:ahLst/>
+            <a:cxnLst>
+              <a:cxn ang="0">
+                <a:pos x="connsiteX0" y="connsiteY0"/>
+              </a:cxn>
+              <a:cxn ang="0">
+                <a:pos x="connsiteX1" y="connsiteY1"/>
+              </a:cxn>
+              <a:cxn ang="0">
+                <a:pos x="connsiteX2" y="connsiteY2"/>
+              </a:cxn>
+              <a:cxn ang="0">
+                <a:pos x="connsiteX3" y="connsiteY3"/>
+              </a:cxn>
+              <a:cxn ang="0">
+                <a:pos x="connsiteX4" y="connsiteY4"/>
+              </a:cxn>
+            </a:cxnLst>
+            <a:rect l="l" t="t" r="r" b="b"/>
+            <a:pathLst>
+              <a:path w="5803941" h="893013">
+                <a:moveTo>
+                  <a:pt x="0" y="0"/>
+                </a:moveTo>
+                <a:lnTo>
+                  <a:pt x="5803941" y="0"/>
+                </a:lnTo>
+                <a:lnTo>
+                  <a:pt x="5803941" y="893013"/>
+                </a:lnTo>
+                <a:lnTo>
+                  <a:pt x="0" y="893013"/>
+                </a:lnTo>
+                <a:lnTo>
+                  <a:pt x="0" y="0"/>
+                </a:lnTo>
+                <a:close/>
+              </a:path>
+            </a:pathLst>
+          </a:custGeom>
+        </p:spPr>
+        <p:style>
+          <a:lnRef idx="0">
+            <a:schemeClr val="dk1">
+              <a:alpha val="0"/>
+              <a:hueOff val="0"/>
+              <a:satOff val="0"/>
+              <a:lumOff val="0"/>
+              <a:alphaOff val="0"/>
+            </a:schemeClr>
+          </a:lnRef>
+          <a:fillRef idx="0">
+            <a:schemeClr val="lt1">
+              <a:alpha val="0"/>
+              <a:hueOff val="0"/>
+              <a:satOff val="0"/>
+              <a:lumOff val="0"/>
+              <a:alphaOff val="0"/>
+            </a:schemeClr>
+          </a:fillRef>
+          <a:effectRef idx="0">
+            <a:schemeClr val="lt1">
+              <a:alpha val="0"/>
+              <a:hueOff val="0"/>
+              <a:satOff val="0"/>
+              <a:lumOff val="0"/>
+              <a:alphaOff val="0"/>
+            </a:schemeClr>
+          </a:effectRef>
+          <a:fontRef idx="minor">
+            <a:schemeClr val="tx1">
+              <a:hueOff val="0"/>
+              <a:satOff val="0"/>
+              <a:lumOff val="0"/>
+              <a:alphaOff val="0"/>
+            </a:schemeClr>
+          </a:fontRef>
+        </p:style>
+        <p:txBody>
+          <a:bodyPr lIns="38100" tIns="38100" rIns="38100" bIns="38100" spcCol="1270"/>
+          <a:lstStyle/>
+          <a:p>
+            <a:pPr marL="0" lvl="1" indent="0" fontAlgn="auto">
+              <a:lnSpc>
+                <a:spcPct val="90000"/>
+              </a:lnSpc>
+              <a:spcAft>
+                <a:spcPct val="15000"/>
+              </a:spcAft>
+              <a:buFontTx/>
+              <a:buNone/>
+              <a:defRPr/>
+            </a:pPr>
+            <a:r>
+              <a:rPr lang="zh-CN" altLang="en-US" dirty="0">
+                <a:solidFill>
+                  <a:schemeClr val="tx1">
+                    <a:lumMod val="75000"/>
+                    <a:lumOff val="25000"/>
+                  </a:schemeClr>
+                </a:solidFill>
+                <a:ea typeface="华文楷体" pitchFamily="2" charset="-122"/>
+              </a:rPr>
+              <a:t>对于项目的功能，以及开发中遇到的问题应该提前进行预估，不是等到发生后再去想办法解决。</a:t>
+            </a:r>
+            <a:endParaRPr lang="zh-CN" altLang="en-US" dirty="0">
+              <a:solidFill>
+                <a:schemeClr val="tx1">
+                  <a:lumMod val="75000"/>
+                  <a:lumOff val="25000"/>
+                </a:schemeClr>
+              </a:solidFill>
+              <a:ea typeface="华文楷体" pitchFamily="2" charset="-122"/>
+            </a:endParaRPr>
+          </a:p>
+        </p:txBody>
+      </p:sp>
+      <p:sp>
+        <p:nvSpPr>
+          <p:cNvPr id="31" name="TextBox 29"/>
+          <p:cNvSpPr txBox="1"/>
+          <p:nvPr/>
+        </p:nvSpPr>
+        <p:spPr>
+          <a:xfrm>
+            <a:off x="254000" y="2638425"/>
+            <a:ext cx="4268788" cy="1297940"/>
+          </a:xfrm>
+          <a:prstGeom prst="rect">
+            <a:avLst/>
+          </a:prstGeom>
+          <a:noFill/>
+        </p:spPr>
+        <p:txBody>
+          <a:bodyPr>
+            <a:spAutoFit/>
+          </a:bodyPr>
+          <a:lstStyle/>
+          <a:p>
+            <a:pPr fontAlgn="auto">
+              <a:lnSpc>
+                <a:spcPct val="110000"/>
+              </a:lnSpc>
+              <a:spcBef>
+                <a:spcPts val="0"/>
+              </a:spcBef>
+              <a:spcAft>
+                <a:spcPts val="0"/>
+              </a:spcAft>
+              <a:defRPr/>
+            </a:pPr>
+            <a:r>
+              <a:rPr lang="zh-CN" altLang="en-US" dirty="0">
+                <a:solidFill>
+                  <a:schemeClr val="tx1">
+                    <a:lumMod val="75000"/>
+                    <a:lumOff val="25000"/>
+                  </a:schemeClr>
+                </a:solidFill>
+                <a:latin typeface="+mn-lt"/>
+                <a:ea typeface="华文楷体" pitchFamily="2" charset="-122"/>
+                <a:sym typeface="+mn-ea"/>
+              </a:rPr>
+              <a:t>本次毕设完成后，收获非常多，例如对单片机项目开发设计流程的了解，自己开发时犯的错误，还有本次设计完成后的经验总结。</a:t>
+            </a:r>
+            <a:endParaRPr lang="zh-CN" altLang="en-US" dirty="0">
+              <a:solidFill>
+                <a:schemeClr val="tx1">
+                  <a:lumMod val="75000"/>
+                  <a:lumOff val="25000"/>
+                </a:schemeClr>
+              </a:solidFill>
+              <a:latin typeface="+mn-lt"/>
+              <a:ea typeface="华文楷体" pitchFamily="2" charset="-122"/>
+            </a:endParaRPr>
+          </a:p>
+        </p:txBody>
+      </p:sp>
+      <p:cxnSp>
+        <p:nvCxnSpPr>
+          <p:cNvPr id="5" name="直接连接符 4"/>
+          <p:cNvCxnSpPr/>
+          <p:nvPr/>
+        </p:nvCxnSpPr>
+        <p:spPr>
+          <a:xfrm>
+            <a:off x="382588" y="5953125"/>
+            <a:ext cx="3998912" cy="0"/>
+          </a:xfrm>
+          <a:prstGeom prst="line">
+            <a:avLst/>
+          </a:prstGeom>
+          <a:ln>
+            <a:solidFill>
+              <a:schemeClr val="tx1">
+                <a:lumMod val="75000"/>
+                <a:lumOff val="25000"/>
+              </a:schemeClr>
+            </a:solidFill>
+          </a:ln>
+        </p:spPr>
+        <p:style>
+          <a:lnRef idx="1">
+            <a:schemeClr val="accent1"/>
+          </a:lnRef>
+          <a:fillRef idx="0">
+            <a:schemeClr val="accent1"/>
+          </a:fillRef>
+          <a:effectRef idx="0">
+            <a:schemeClr val="accent1"/>
+          </a:effectRef>
+          <a:fontRef idx="minor">
+            <a:schemeClr val="tx1"/>
+          </a:fontRef>
+        </p:style>
+      </p:cxnSp>
+      <p:sp>
+        <p:nvSpPr>
+          <p:cNvPr id="34" name="TextBox 30"/>
+          <p:cNvSpPr txBox="1"/>
+          <p:nvPr/>
+        </p:nvSpPr>
+        <p:spPr>
+          <a:xfrm>
+            <a:off x="687070" y="2100580"/>
+            <a:ext cx="3596640" cy="457200"/>
+          </a:xfrm>
+          <a:prstGeom prst="rect">
+            <a:avLst/>
+          </a:prstGeom>
+          <a:noFill/>
+          <a:ln>
+            <a:noFill/>
+          </a:ln>
+        </p:spPr>
+        <p:txBody>
+          <a:bodyPr wrap="square">
+            <a:spAutoFit/>
+          </a:bodyPr>
+          <a:lstStyle/>
+          <a:p>
+            <a:pPr fontAlgn="auto">
+              <a:spcBef>
+                <a:spcPts val="0"/>
+              </a:spcBef>
+              <a:spcAft>
+                <a:spcPts val="0"/>
+              </a:spcAft>
+              <a:defRPr/>
+            </a:pPr>
+            <a:r>
+              <a:rPr lang="zh-CN" altLang="en-US" sz="2400" b="1" dirty="0">
+                <a:solidFill>
+                  <a:schemeClr val="tx1">
+                    <a:lumMod val="75000"/>
+                    <a:lumOff val="25000"/>
+                  </a:schemeClr>
+                </a:solidFill>
+                <a:latin typeface="+mn-lt"/>
+                <a:ea typeface="华文楷体" pitchFamily="2" charset="-122"/>
+              </a:rPr>
+              <a:t>研究结论</a:t>
+            </a:r>
+            <a:endParaRPr lang="zh-CN" altLang="en-US" sz="2400" b="1" dirty="0">
+              <a:solidFill>
+                <a:schemeClr val="tx1">
+                  <a:lumMod val="75000"/>
+                  <a:lumOff val="25000"/>
+                </a:schemeClr>
+              </a:solidFill>
+              <a:latin typeface="+mn-lt"/>
+              <a:ea typeface="华文楷体" pitchFamily="2" charset="-122"/>
+            </a:endParaRPr>
+          </a:p>
+        </p:txBody>
+      </p:sp>
+      <p:sp>
+        <p:nvSpPr>
+          <p:cNvPr id="36" name="矩形 35"/>
+          <p:cNvSpPr/>
+          <p:nvPr/>
+        </p:nvSpPr>
+        <p:spPr>
+          <a:xfrm>
+            <a:off x="382588" y="2173288"/>
+            <a:ext cx="269875" cy="269875"/>
+          </a:xfrm>
+          <a:prstGeom prst="rect">
+            <a:avLst/>
+          </a:prstGeom>
+          <a:gradFill>
+            <a:gsLst>
+              <a:gs pos="0">
+                <a:srgbClr val="7B32B2"/>
+              </a:gs>
+              <a:gs pos="100000">
+                <a:srgbClr val="401A5D"/>
+              </a:gs>
+            </a:gsLst>
+            <a:lin ang="5400000" scaled="0"/>
+          </a:gradFill>
+          <a:ln>
+            <a:solidFill>
+              <a:srgbClr val="5C307D"/>
+            </a:solidFill>
+          </a:ln>
+        </p:spPr>
+        <p:style>
+          <a:lnRef idx="2">
+            <a:schemeClr val="accent1">
+              <a:shade val="50000"/>
+            </a:schemeClr>
+          </a:lnRef>
+          <a:fillRef idx="1">
+            <a:schemeClr val="accent1"/>
+          </a:fillRef>
+          <a:effectRef idx="0">
+            <a:schemeClr val="accent1"/>
+          </a:effectRef>
+          <a:fontRef idx="minor">
+            <a:schemeClr val="lt1"/>
+          </a:fontRef>
+        </p:style>
+        <p:txBody>
+          <a:bodyPr anchor="ctr"/>
+          <a:lstStyle/>
+          <a:p>
+            <a:pPr algn="ctr" fontAlgn="auto">
+              <a:spcBef>
+                <a:spcPts val="0"/>
+              </a:spcBef>
+              <a:spcAft>
+                <a:spcPts val="0"/>
+              </a:spcAft>
+              <a:defRPr/>
+            </a:pPr>
+            <a:endParaRPr lang="zh-CN" altLang="en-US"/>
+          </a:p>
+        </p:txBody>
+      </p:sp>
+      <p:sp>
+        <p:nvSpPr>
+          <p:cNvPr id="2" name="文本框 1"/>
+          <p:cNvSpPr txBox="1"/>
+          <p:nvPr/>
+        </p:nvSpPr>
+        <p:spPr>
+          <a:xfrm>
+            <a:off x="395605" y="260985"/>
+            <a:ext cx="4320000" cy="720000"/>
+          </a:xfrm>
+          <a:prstGeom prst="rect">
+            <a:avLst/>
+          </a:prstGeom>
+          <a:noFill/>
+        </p:spPr>
+        <p:txBody>
+          <a:bodyPr wrap="square" rtlCol="0">
+            <a:spAutoFit/>
+          </a:bodyPr>
+          <a:p>
+            <a:r>
+              <a:rPr lang="zh-CN" altLang="en-US" sz="3600" i="1">
+                <a:latin typeface="楷体" charset="0"/>
+                <a:ea typeface="楷体" charset="0"/>
+              </a:rPr>
+              <a:t>辽宁工程技术大学</a:t>
+            </a:r>
+            <a:endParaRPr lang="zh-CN" altLang="en-US" sz="3600" i="1">
+              <a:latin typeface="楷体" charset="0"/>
+              <a:ea typeface="楷体" charset="0"/>
+            </a:endParaRPr>
+          </a:p>
+        </p:txBody>
+      </p:sp>
+    </p:spTree>
+  </p:cSld>
+  <p:clrMapOvr>
+    <a:masterClrMapping/>
+  </p:clrMapOvr>
+  <p:timing>
+    <p:tnLst>
+      <p:par>
+        <p:cTn id="1" dur="indefinite" restart="never" nodeType="tmRoot"/>
+      </p:par>
+    </p:tnLst>
+  </p:timing>
+</p:sld>
+</file>
+
+<file path=ppt/slides/slide11.xml><?xml version="1.0" encoding="utf-8"?>
+<p:sld xmlns:a="http://schemas.openxmlformats.org/drawingml/2006/main" xmlns:r="http://schemas.openxmlformats.org/officeDocument/2006/relationships" xmlns:p="http://schemas.openxmlformats.org/presentationml/2006/main">
+  <p:cSld>
+    <p:spTree>
+      <p:nvGrpSpPr>
+        <p:cNvPr id="1" name=""/>
+        <p:cNvGrpSpPr/>
+        <p:nvPr/>
+      </p:nvGrpSpPr>
+      <p:grpSpPr>
+        <a:xfrm>
+          <a:off x="0" y="0"/>
+          <a:ext cx="0" cy="0"/>
+          <a:chOff x="0" y="0"/>
+          <a:chExt cx="0" cy="0"/>
+        </a:xfrm>
+      </p:grpSpPr>
+      <p:sp>
+        <p:nvSpPr>
+          <p:cNvPr id="11" name="矩形 10"/>
+          <p:cNvSpPr/>
+          <p:nvPr/>
+        </p:nvSpPr>
+        <p:spPr>
+          <a:xfrm>
+            <a:off x="12065" y="-12700"/>
+            <a:ext cx="9144000" cy="3654425"/>
+          </a:xfrm>
+          <a:prstGeom prst="rect">
+            <a:avLst/>
+          </a:prstGeom>
+          <a:solidFill>
+            <a:srgbClr val="5C307D"/>
+          </a:solidFill>
+          <a:ln>
+            <a:noFill/>
+          </a:ln>
+        </p:spPr>
+        <p:style>
+          <a:lnRef idx="2">
+            <a:schemeClr val="accent1">
+              <a:shade val="50000"/>
+            </a:schemeClr>
+          </a:lnRef>
+          <a:fillRef idx="1">
+            <a:schemeClr val="accent1"/>
+          </a:fillRef>
+          <a:effectRef idx="0">
+            <a:schemeClr val="accent1"/>
+          </a:effectRef>
+          <a:fontRef idx="minor">
+            <a:schemeClr val="lt1"/>
+          </a:fontRef>
+        </p:style>
+        <p:txBody>
+          <a:bodyPr anchor="ctr"/>
+          <a:lstStyle/>
+          <a:p>
+            <a:pPr algn="ctr" fontAlgn="auto">
+              <a:spcBef>
+                <a:spcPts val="0"/>
+              </a:spcBef>
+              <a:spcAft>
+                <a:spcPts val="0"/>
+              </a:spcAft>
+              <a:defRPr/>
+            </a:pPr>
+            <a:endParaRPr lang="zh-CN" altLang="en-US"/>
+          </a:p>
+        </p:txBody>
+      </p:sp>
       <p:sp>
         <p:nvSpPr>
           <p:cNvPr id="5" name="TextBox 5"/>
@@ -4690,8 +6434,8 @@
         </p:nvSpPr>
         <p:spPr>
           <a:xfrm>
-            <a:off x="1459865" y="4292918"/>
-            <a:ext cx="7508240" cy="1188720"/>
+            <a:off x="3291205" y="4292918"/>
+            <a:ext cx="5676900" cy="1188720"/>
           </a:xfrm>
           <a:prstGeom prst="rect">
             <a:avLst/>
@@ -4724,7 +6468,7 @@
                 <a:latin typeface="华文楷体" pitchFamily="2" charset="-122"/>
                 <a:ea typeface="华文楷体" pitchFamily="2" charset="-122"/>
               </a:rPr>
-              <a:t>谢谢各位老师聆听</a:t>
+              <a:t>谢谢各位老师</a:t>
             </a:r>
             <a:endParaRPr lang="zh-CN" sz="7200" b="1" dirty="0">
               <a:solidFill>
@@ -12950,7 +14694,7 @@
                           <a:latin typeface="华文楷体" pitchFamily="2" charset="-122"/>
                           <a:ea typeface="华文楷体" pitchFamily="2" charset="-122"/>
                         </a:rPr>
-                        <a:t>20XX</a:t>
+                        <a:t>2016</a:t>
                       </a:r>
                       <a:r>
                         <a:rPr lang="zh-CN" altLang="en-US" sz="1600" b="0" i="0" u="none" strike="noStrike" dirty="0" smtClean="0">
@@ -12978,7 +14722,7 @@
                           <a:latin typeface="华文楷体" pitchFamily="2" charset="-122"/>
                           <a:ea typeface="华文楷体" pitchFamily="2" charset="-122"/>
                         </a:rPr>
-                        <a:t>X</a:t>
+                        <a:t>4</a:t>
                       </a:r>
                       <a:r>
                         <a:rPr lang="zh-CN" altLang="en-US" sz="1600" b="0" i="0" u="none" strike="noStrike" dirty="0" smtClean="0">
@@ -13006,7 +14750,7 @@
                           <a:latin typeface="华文楷体" pitchFamily="2" charset="-122"/>
                           <a:ea typeface="华文楷体" pitchFamily="2" charset="-122"/>
                         </a:rPr>
-                        <a:t>XX</a:t>
+                        <a:t>1</a:t>
                       </a:r>
                       <a:r>
                         <a:rPr lang="zh-CN" altLang="en-US" sz="1600" b="0" i="0" u="none" strike="noStrike" dirty="0" smtClean="0">
@@ -13034,7 +14778,7 @@
                           <a:latin typeface="华文楷体" pitchFamily="2" charset="-122"/>
                           <a:ea typeface="华文楷体" pitchFamily="2" charset="-122"/>
                         </a:rPr>
-                        <a:t>- X</a:t>
+                        <a:t>- 6</a:t>
                       </a:r>
                       <a:r>
                         <a:rPr lang="zh-CN" altLang="en-US" sz="1600" b="0" i="0" u="none" strike="noStrike" dirty="0" smtClean="0">
@@ -13062,7 +14806,7 @@
                           <a:latin typeface="华文楷体" pitchFamily="2" charset="-122"/>
                           <a:ea typeface="华文楷体" pitchFamily="2" charset="-122"/>
                         </a:rPr>
-                        <a:t>XX</a:t>
+                        <a:t>21</a:t>
                       </a:r>
                       <a:r>
                         <a:rPr lang="zh-CN" altLang="en-US" sz="1600" b="0" i="0" u="none" strike="noStrike" dirty="0" smtClean="0">
@@ -15191,51 +16935,6 @@
           <a:prstGeom prst="rect">
             <a:avLst/>
           </a:prstGeom>
-          <a:noFill/>
-          <a:ln w="9525">
-            <a:noFill/>
-            <a:miter lim="800000"/>
-          </a:ln>
-        </p:spPr>
-        <p:txBody>
-          <a:bodyPr wrap="none">
-            <a:spAutoFit/>
-          </a:bodyPr>
-          <a:lstStyle/>
-          <a:p>
-            <a:pPr algn="ctr"/>
-            <a:r>
-              <a:rPr lang="zh-CN" altLang="en-US">
-                <a:latin typeface="华文楷体"/>
-                <a:ea typeface="华文楷体"/>
-                <a:cs typeface="华文楷体"/>
-              </a:rPr>
-              <a:t>研究过程</a:t>
-            </a:r>
-            <a:endParaRPr lang="zh-CN" altLang="en-US">
-              <a:latin typeface="华文楷体"/>
-              <a:ea typeface="华文楷体"/>
-              <a:cs typeface="华文楷体"/>
-            </a:endParaRPr>
-          </a:p>
-        </p:txBody>
-      </p:sp>
-      <p:sp>
-        <p:nvSpPr>
-          <p:cNvPr id="18440" name="文本框 13"/>
-          <p:cNvSpPr txBox="1">
-            <a:spLocks noChangeArrowheads="1"/>
-          </p:cNvSpPr>
-          <p:nvPr/>
-        </p:nvSpPr>
-        <p:spPr bwMode="auto">
-          <a:xfrm>
-            <a:off x="4029711" y="1303338"/>
-            <a:ext cx="1097280" cy="365760"/>
-          </a:xfrm>
-          <a:prstGeom prst="rect">
-            <a:avLst/>
-          </a:prstGeom>
           <a:solidFill>
             <a:srgbClr val="5C307D"/>
           </a:solidFill>
@@ -15260,7 +16959,7 @@
                 <a:ea typeface="华文楷体"/>
                 <a:cs typeface="华文楷体"/>
               </a:rPr>
-              <a:t>研究结论</a:t>
+              <a:t>研究过程</a:t>
             </a:r>
             <a:endParaRPr lang="zh-CN" altLang="en-US">
               <a:solidFill>
@@ -15273,1333 +16972,48 @@
           </a:p>
         </p:txBody>
       </p:sp>
-      <p:grpSp>
-        <p:nvGrpSpPr>
-          <p:cNvPr id="18444" name="组合 17"/>
-          <p:cNvGrpSpPr/>
+      <p:sp>
+        <p:nvSpPr>
+          <p:cNvPr id="18440" name="文本框 13"/>
+          <p:cNvSpPr txBox="1">
+            <a:spLocks noChangeArrowheads="1"/>
+          </p:cNvSpPr>
           <p:nvPr/>
-        </p:nvGrpSpPr>
-        <p:grpSpPr bwMode="auto">
-          <a:xfrm>
-            <a:off x="4879975" y="2520950"/>
-            <a:ext cx="3171825" cy="2724150"/>
-            <a:chOff x="4572000" y="2445108"/>
-            <a:chExt cx="5803941" cy="2723550"/>
-          </a:xfrm>
-        </p:grpSpPr>
-        <p:sp>
-          <p:nvSpPr>
-            <p:cNvPr id="19" name="直接连接符 18"/>
-            <p:cNvSpPr/>
-            <p:nvPr/>
-          </p:nvSpPr>
-          <p:spPr>
-            <a:xfrm>
-              <a:off x="4572000" y="5168658"/>
-              <a:ext cx="5803941" cy="0"/>
-            </a:xfrm>
-            <a:prstGeom prst="line">
-              <a:avLst/>
-            </a:prstGeom>
-            <a:ln>
-              <a:solidFill>
-                <a:schemeClr val="tx1">
-                  <a:lumMod val="75000"/>
-                  <a:lumOff val="25000"/>
-                </a:schemeClr>
-              </a:solidFill>
-            </a:ln>
-          </p:spPr>
-          <p:style>
-            <a:lnRef idx="2">
-              <a:schemeClr val="accent1">
-                <a:shade val="60000"/>
-                <a:hueOff val="0"/>
-                <a:satOff val="0"/>
-                <a:lumOff val="0"/>
-                <a:alphaOff val="0"/>
-              </a:schemeClr>
-            </a:lnRef>
-            <a:fillRef idx="0">
-              <a:schemeClr val="accent1">
-                <a:hueOff val="0"/>
-                <a:satOff val="0"/>
-                <a:lumOff val="0"/>
-                <a:alphaOff val="0"/>
-              </a:schemeClr>
-            </a:fillRef>
-            <a:effectRef idx="0">
-              <a:schemeClr val="accent1">
-                <a:hueOff val="0"/>
-                <a:satOff val="0"/>
-                <a:lumOff val="0"/>
-                <a:alphaOff val="0"/>
-              </a:schemeClr>
-            </a:effectRef>
-            <a:fontRef idx="minor">
-              <a:schemeClr val="tx1">
-                <a:hueOff val="0"/>
-                <a:satOff val="0"/>
-                <a:lumOff val="0"/>
-                <a:alphaOff val="0"/>
-              </a:schemeClr>
-            </a:fontRef>
-          </p:style>
-        </p:sp>
-        <p:sp>
-          <p:nvSpPr>
-            <p:cNvPr id="20" name="直接连接符 19"/>
-            <p:cNvSpPr/>
-            <p:nvPr/>
-          </p:nvSpPr>
-          <p:spPr>
-            <a:xfrm>
-              <a:off x="4572000" y="3806883"/>
-              <a:ext cx="5803941" cy="0"/>
-            </a:xfrm>
-            <a:prstGeom prst="line">
-              <a:avLst/>
-            </a:prstGeom>
-            <a:ln>
-              <a:solidFill>
-                <a:schemeClr val="tx1">
-                  <a:lumMod val="75000"/>
-                  <a:lumOff val="25000"/>
-                </a:schemeClr>
-              </a:solidFill>
-            </a:ln>
-          </p:spPr>
-          <p:style>
-            <a:lnRef idx="2">
-              <a:schemeClr val="accent1">
-                <a:shade val="60000"/>
-                <a:hueOff val="0"/>
-                <a:satOff val="0"/>
-                <a:lumOff val="0"/>
-                <a:alphaOff val="0"/>
-              </a:schemeClr>
-            </a:lnRef>
-            <a:fillRef idx="0">
-              <a:schemeClr val="accent1">
-                <a:hueOff val="0"/>
-                <a:satOff val="0"/>
-                <a:lumOff val="0"/>
-                <a:alphaOff val="0"/>
-              </a:schemeClr>
-            </a:fillRef>
-            <a:effectRef idx="0">
-              <a:schemeClr val="accent1">
-                <a:hueOff val="0"/>
-                <a:satOff val="0"/>
-                <a:lumOff val="0"/>
-                <a:alphaOff val="0"/>
-              </a:schemeClr>
-            </a:effectRef>
-            <a:fontRef idx="minor">
-              <a:schemeClr val="tx1">
-                <a:hueOff val="0"/>
-                <a:satOff val="0"/>
-                <a:lumOff val="0"/>
-                <a:alphaOff val="0"/>
-              </a:schemeClr>
-            </a:fontRef>
-          </p:style>
-        </p:sp>
-        <p:sp>
-          <p:nvSpPr>
-            <p:cNvPr id="21" name="直接连接符 20"/>
-            <p:cNvSpPr/>
-            <p:nvPr/>
-          </p:nvSpPr>
-          <p:spPr>
-            <a:xfrm>
-              <a:off x="4572000" y="2445108"/>
-              <a:ext cx="5803941" cy="0"/>
-            </a:xfrm>
-            <a:prstGeom prst="line">
-              <a:avLst/>
-            </a:prstGeom>
-            <a:ln>
-              <a:solidFill>
-                <a:schemeClr val="tx1">
-                  <a:lumMod val="75000"/>
-                  <a:lumOff val="25000"/>
-                </a:schemeClr>
-              </a:solidFill>
-            </a:ln>
-          </p:spPr>
-          <p:style>
-            <a:lnRef idx="2">
-              <a:schemeClr val="accent1">
-                <a:shade val="60000"/>
-                <a:hueOff val="0"/>
-                <a:satOff val="0"/>
-                <a:lumOff val="0"/>
-                <a:alphaOff val="0"/>
-              </a:schemeClr>
-            </a:lnRef>
-            <a:fillRef idx="0">
-              <a:schemeClr val="accent1">
-                <a:hueOff val="0"/>
-                <a:satOff val="0"/>
-                <a:lumOff val="0"/>
-                <a:alphaOff val="0"/>
-              </a:schemeClr>
-            </a:fillRef>
-            <a:effectRef idx="0">
-              <a:schemeClr val="accent1">
-                <a:hueOff val="0"/>
-                <a:satOff val="0"/>
-                <a:lumOff val="0"/>
-                <a:alphaOff val="0"/>
-              </a:schemeClr>
-            </a:effectRef>
-            <a:fontRef idx="minor">
-              <a:schemeClr val="tx1">
-                <a:hueOff val="0"/>
-                <a:satOff val="0"/>
-                <a:lumOff val="0"/>
-                <a:alphaOff val="0"/>
-              </a:schemeClr>
-            </a:fontRef>
-          </p:style>
-        </p:sp>
-      </p:grpSp>
-      <p:sp>
-        <p:nvSpPr>
-          <p:cNvPr id="23" name="任意多边形 22"/>
-          <p:cNvSpPr/>
-          <p:nvPr/>
-        </p:nvSpPr>
-        <p:spPr>
-          <a:xfrm>
-            <a:off x="4879975" y="2074863"/>
-            <a:ext cx="1728000" cy="432000"/>
-          </a:xfrm>
-          <a:custGeom>
-            <a:avLst/>
-            <a:gdLst>
-              <a:gd name="connsiteX0" fmla="*/ 74421 w 1509024"/>
-              <a:gd name="connsiteY0" fmla="*/ 0 h 446439"/>
-              <a:gd name="connsiteX1" fmla="*/ 1434603 w 1509024"/>
-              <a:gd name="connsiteY1" fmla="*/ 0 h 446439"/>
-              <a:gd name="connsiteX2" fmla="*/ 1509024 w 1509024"/>
-              <a:gd name="connsiteY2" fmla="*/ 74421 h 446439"/>
-              <a:gd name="connsiteX3" fmla="*/ 1509024 w 1509024"/>
-              <a:gd name="connsiteY3" fmla="*/ 446439 h 446439"/>
-              <a:gd name="connsiteX4" fmla="*/ 1509024 w 1509024"/>
-              <a:gd name="connsiteY4" fmla="*/ 446439 h 446439"/>
-              <a:gd name="connsiteX5" fmla="*/ 0 w 1509024"/>
-              <a:gd name="connsiteY5" fmla="*/ 446439 h 446439"/>
-              <a:gd name="connsiteX6" fmla="*/ 0 w 1509024"/>
-              <a:gd name="connsiteY6" fmla="*/ 446439 h 446439"/>
-              <a:gd name="connsiteX7" fmla="*/ 0 w 1509024"/>
-              <a:gd name="connsiteY7" fmla="*/ 74421 h 446439"/>
-              <a:gd name="connsiteX8" fmla="*/ 74421 w 1509024"/>
-              <a:gd name="connsiteY8" fmla="*/ 0 h 446439"/>
-            </a:gdLst>
-            <a:ahLst/>
-            <a:cxnLst>
-              <a:cxn ang="0">
-                <a:pos x="connsiteX0" y="connsiteY0"/>
-              </a:cxn>
-              <a:cxn ang="0">
-                <a:pos x="connsiteX1" y="connsiteY1"/>
-              </a:cxn>
-              <a:cxn ang="0">
-                <a:pos x="connsiteX2" y="connsiteY2"/>
-              </a:cxn>
-              <a:cxn ang="0">
-                <a:pos x="connsiteX3" y="connsiteY3"/>
-              </a:cxn>
-              <a:cxn ang="0">
-                <a:pos x="connsiteX4" y="connsiteY4"/>
-              </a:cxn>
-              <a:cxn ang="0">
-                <a:pos x="connsiteX5" y="connsiteY5"/>
-              </a:cxn>
-              <a:cxn ang="0">
-                <a:pos x="connsiteX6" y="connsiteY6"/>
-              </a:cxn>
-              <a:cxn ang="0">
-                <a:pos x="connsiteX7" y="connsiteY7"/>
-              </a:cxn>
-              <a:cxn ang="0">
-                <a:pos x="connsiteX8" y="connsiteY8"/>
-              </a:cxn>
-            </a:cxnLst>
-            <a:rect l="l" t="t" r="r" b="b"/>
-            <a:pathLst>
-              <a:path w="1509024" h="446439">
-                <a:moveTo>
-                  <a:pt x="74421" y="0"/>
-                </a:moveTo>
-                <a:lnTo>
-                  <a:pt x="1434603" y="0"/>
-                </a:lnTo>
-                <a:cubicBezTo>
-                  <a:pt x="1475705" y="0"/>
-                  <a:pt x="1509024" y="33319"/>
-                  <a:pt x="1509024" y="74421"/>
-                </a:cubicBezTo>
-                <a:lnTo>
-                  <a:pt x="1509024" y="446439"/>
-                </a:lnTo>
-                <a:lnTo>
-                  <a:pt x="1509024" y="446439"/>
-                </a:lnTo>
-                <a:lnTo>
-                  <a:pt x="0" y="446439"/>
-                </a:lnTo>
-                <a:lnTo>
-                  <a:pt x="0" y="446439"/>
-                </a:lnTo>
-                <a:lnTo>
-                  <a:pt x="0" y="74421"/>
-                </a:lnTo>
-                <a:cubicBezTo>
-                  <a:pt x="0" y="33319"/>
-                  <a:pt x="33319" y="0"/>
-                  <a:pt x="74421" y="0"/>
-                </a:cubicBezTo>
-                <a:close/>
-              </a:path>
-            </a:pathLst>
-          </a:custGeom>
-          <a:solidFill>
-            <a:srgbClr val="5C307D"/>
-          </a:solidFill>
-          <a:ln>
-            <a:noFill/>
-          </a:ln>
-        </p:spPr>
-        <p:style>
-          <a:lnRef idx="2">
-            <a:schemeClr val="accent1">
-              <a:hueOff val="0"/>
-              <a:satOff val="0"/>
-              <a:lumOff val="0"/>
-              <a:alphaOff val="0"/>
-            </a:schemeClr>
-          </a:lnRef>
-          <a:fillRef idx="1">
-            <a:scrgbClr r="0" g="0" b="0"/>
-          </a:fillRef>
-          <a:effectRef idx="0">
-            <a:schemeClr val="accent1">
-              <a:hueOff val="0"/>
-              <a:satOff val="0"/>
-              <a:lumOff val="0"/>
-              <a:alphaOff val="0"/>
-            </a:schemeClr>
-          </a:effectRef>
-          <a:fontRef idx="minor">
-            <a:schemeClr val="lt1"/>
-          </a:fontRef>
-        </p:style>
-        <p:txBody>
-          <a:bodyPr lIns="0" tIns="0" rIns="0" bIns="0" spcCol="1270" anchor="ctr"/>
-          <a:lstStyle/>
-          <a:p>
-            <a:pPr fontAlgn="auto">
-              <a:lnSpc>
-                <a:spcPct val="90000"/>
-              </a:lnSpc>
-              <a:spcAft>
-                <a:spcPct val="35000"/>
-              </a:spcAft>
-              <a:defRPr/>
-            </a:pPr>
-            <a:r>
-              <a:rPr lang="zh-CN" altLang="en-US" dirty="0">
-                <a:solidFill>
-                  <a:schemeClr val="bg1"/>
-                </a:solidFill>
-                <a:ea typeface="华文楷体" pitchFamily="2" charset="-122"/>
-              </a:rPr>
-              <a:t>设计与开发流程</a:t>
-            </a:r>
-            <a:endParaRPr lang="zh-CN" altLang="en-US" dirty="0">
-              <a:solidFill>
-                <a:schemeClr val="bg1"/>
-              </a:solidFill>
-              <a:ea typeface="华文楷体" pitchFamily="2" charset="-122"/>
-            </a:endParaRPr>
-          </a:p>
-        </p:txBody>
-      </p:sp>
-      <p:sp>
-        <p:nvSpPr>
-          <p:cNvPr id="24" name="任意多边形 23"/>
-          <p:cNvSpPr/>
-          <p:nvPr/>
-        </p:nvSpPr>
-        <p:spPr>
-          <a:xfrm>
-            <a:off x="4819650" y="2613600"/>
-            <a:ext cx="3400425" cy="893762"/>
-          </a:xfrm>
-          <a:custGeom>
-            <a:avLst/>
-            <a:gdLst>
-              <a:gd name="connsiteX0" fmla="*/ 0 w 5803941"/>
-              <a:gd name="connsiteY0" fmla="*/ 0 h 893013"/>
-              <a:gd name="connsiteX1" fmla="*/ 5803941 w 5803941"/>
-              <a:gd name="connsiteY1" fmla="*/ 0 h 893013"/>
-              <a:gd name="connsiteX2" fmla="*/ 5803941 w 5803941"/>
-              <a:gd name="connsiteY2" fmla="*/ 893013 h 893013"/>
-              <a:gd name="connsiteX3" fmla="*/ 0 w 5803941"/>
-              <a:gd name="connsiteY3" fmla="*/ 893013 h 893013"/>
-              <a:gd name="connsiteX4" fmla="*/ 0 w 5803941"/>
-              <a:gd name="connsiteY4" fmla="*/ 0 h 893013"/>
-            </a:gdLst>
-            <a:ahLst/>
-            <a:cxnLst>
-              <a:cxn ang="0">
-                <a:pos x="connsiteX0" y="connsiteY0"/>
-              </a:cxn>
-              <a:cxn ang="0">
-                <a:pos x="connsiteX1" y="connsiteY1"/>
-              </a:cxn>
-              <a:cxn ang="0">
-                <a:pos x="connsiteX2" y="connsiteY2"/>
-              </a:cxn>
-              <a:cxn ang="0">
-                <a:pos x="connsiteX3" y="connsiteY3"/>
-              </a:cxn>
-              <a:cxn ang="0">
-                <a:pos x="connsiteX4" y="connsiteY4"/>
-              </a:cxn>
-            </a:cxnLst>
-            <a:rect l="l" t="t" r="r" b="b"/>
-            <a:pathLst>
-              <a:path w="5803941" h="893013">
-                <a:moveTo>
-                  <a:pt x="0" y="0"/>
-                </a:moveTo>
-                <a:lnTo>
-                  <a:pt x="5803941" y="0"/>
-                </a:lnTo>
-                <a:lnTo>
-                  <a:pt x="5803941" y="893013"/>
-                </a:lnTo>
-                <a:lnTo>
-                  <a:pt x="0" y="893013"/>
-                </a:lnTo>
-                <a:lnTo>
-                  <a:pt x="0" y="0"/>
-                </a:lnTo>
-                <a:close/>
-              </a:path>
-            </a:pathLst>
-          </a:custGeom>
-        </p:spPr>
-        <p:style>
-          <a:lnRef idx="0">
-            <a:schemeClr val="dk1">
-              <a:alpha val="0"/>
-              <a:hueOff val="0"/>
-              <a:satOff val="0"/>
-              <a:lumOff val="0"/>
-              <a:alphaOff val="0"/>
-            </a:schemeClr>
-          </a:lnRef>
-          <a:fillRef idx="0">
-            <a:schemeClr val="lt1">
-              <a:alpha val="0"/>
-              <a:hueOff val="0"/>
-              <a:satOff val="0"/>
-              <a:lumOff val="0"/>
-              <a:alphaOff val="0"/>
-            </a:schemeClr>
-          </a:fillRef>
-          <a:effectRef idx="0">
-            <a:schemeClr val="lt1">
-              <a:alpha val="0"/>
-              <a:hueOff val="0"/>
-              <a:satOff val="0"/>
-              <a:lumOff val="0"/>
-              <a:alphaOff val="0"/>
-            </a:schemeClr>
-          </a:effectRef>
-          <a:fontRef idx="minor">
-            <a:schemeClr val="tx1">
-              <a:hueOff val="0"/>
-              <a:satOff val="0"/>
-              <a:lumOff val="0"/>
-              <a:alphaOff val="0"/>
-            </a:schemeClr>
-          </a:fontRef>
-        </p:style>
-        <p:txBody>
-          <a:bodyPr lIns="38100" tIns="38100" rIns="38100" bIns="38100" spcCol="1270"/>
-          <a:lstStyle/>
-          <a:p>
-            <a:pPr marL="0" lvl="1" indent="0" fontAlgn="auto">
-              <a:lnSpc>
-                <a:spcPct val="90000"/>
-              </a:lnSpc>
-              <a:spcAft>
-                <a:spcPct val="15000"/>
-              </a:spcAft>
-              <a:buFontTx/>
-              <a:buNone/>
-              <a:defRPr/>
-            </a:pPr>
-            <a:r>
-              <a:rPr lang="zh-CN" altLang="en-US" dirty="0">
-                <a:solidFill>
-                  <a:schemeClr val="tx1">
-                    <a:lumMod val="75000"/>
-                    <a:lumOff val="25000"/>
-                  </a:schemeClr>
-                </a:solidFill>
-                <a:ea typeface="华文楷体" pitchFamily="2" charset="-122"/>
-              </a:rPr>
-              <a:t>通过本次毕设对于项目的确立，开发中的购置硬件，以及后期功能结合，有了全新的认识。</a:t>
-            </a:r>
-            <a:endParaRPr lang="zh-CN" altLang="en-US" dirty="0">
-              <a:solidFill>
-                <a:schemeClr val="tx1">
-                  <a:lumMod val="75000"/>
-                  <a:lumOff val="25000"/>
-                </a:schemeClr>
-              </a:solidFill>
-              <a:ea typeface="华文楷体" pitchFamily="2" charset="-122"/>
-            </a:endParaRPr>
-          </a:p>
-        </p:txBody>
-      </p:sp>
-      <p:sp>
-        <p:nvSpPr>
-          <p:cNvPr id="25" name="任意多边形 24"/>
-          <p:cNvSpPr/>
-          <p:nvPr/>
-        </p:nvSpPr>
-        <p:spPr>
-          <a:xfrm>
-            <a:off x="4879975" y="3436938"/>
-            <a:ext cx="936000" cy="432000"/>
-          </a:xfrm>
-          <a:custGeom>
-            <a:avLst/>
-            <a:gdLst>
-              <a:gd name="connsiteX0" fmla="*/ 74421 w 1509024"/>
-              <a:gd name="connsiteY0" fmla="*/ 0 h 446439"/>
-              <a:gd name="connsiteX1" fmla="*/ 1434603 w 1509024"/>
-              <a:gd name="connsiteY1" fmla="*/ 0 h 446439"/>
-              <a:gd name="connsiteX2" fmla="*/ 1509024 w 1509024"/>
-              <a:gd name="connsiteY2" fmla="*/ 74421 h 446439"/>
-              <a:gd name="connsiteX3" fmla="*/ 1509024 w 1509024"/>
-              <a:gd name="connsiteY3" fmla="*/ 446439 h 446439"/>
-              <a:gd name="connsiteX4" fmla="*/ 1509024 w 1509024"/>
-              <a:gd name="connsiteY4" fmla="*/ 446439 h 446439"/>
-              <a:gd name="connsiteX5" fmla="*/ 0 w 1509024"/>
-              <a:gd name="connsiteY5" fmla="*/ 446439 h 446439"/>
-              <a:gd name="connsiteX6" fmla="*/ 0 w 1509024"/>
-              <a:gd name="connsiteY6" fmla="*/ 446439 h 446439"/>
-              <a:gd name="connsiteX7" fmla="*/ 0 w 1509024"/>
-              <a:gd name="connsiteY7" fmla="*/ 74421 h 446439"/>
-              <a:gd name="connsiteX8" fmla="*/ 74421 w 1509024"/>
-              <a:gd name="connsiteY8" fmla="*/ 0 h 446439"/>
-            </a:gdLst>
-            <a:ahLst/>
-            <a:cxnLst>
-              <a:cxn ang="0">
-                <a:pos x="connsiteX0" y="connsiteY0"/>
-              </a:cxn>
-              <a:cxn ang="0">
-                <a:pos x="connsiteX1" y="connsiteY1"/>
-              </a:cxn>
-              <a:cxn ang="0">
-                <a:pos x="connsiteX2" y="connsiteY2"/>
-              </a:cxn>
-              <a:cxn ang="0">
-                <a:pos x="connsiteX3" y="connsiteY3"/>
-              </a:cxn>
-              <a:cxn ang="0">
-                <a:pos x="connsiteX4" y="connsiteY4"/>
-              </a:cxn>
-              <a:cxn ang="0">
-                <a:pos x="connsiteX5" y="connsiteY5"/>
-              </a:cxn>
-              <a:cxn ang="0">
-                <a:pos x="connsiteX6" y="connsiteY6"/>
-              </a:cxn>
-              <a:cxn ang="0">
-                <a:pos x="connsiteX7" y="connsiteY7"/>
-              </a:cxn>
-              <a:cxn ang="0">
-                <a:pos x="connsiteX8" y="connsiteY8"/>
-              </a:cxn>
-            </a:cxnLst>
-            <a:rect l="l" t="t" r="r" b="b"/>
-            <a:pathLst>
-              <a:path w="1509024" h="446439">
-                <a:moveTo>
-                  <a:pt x="74421" y="0"/>
-                </a:moveTo>
-                <a:lnTo>
-                  <a:pt x="1434603" y="0"/>
-                </a:lnTo>
-                <a:cubicBezTo>
-                  <a:pt x="1475705" y="0"/>
-                  <a:pt x="1509024" y="33319"/>
-                  <a:pt x="1509024" y="74421"/>
-                </a:cubicBezTo>
-                <a:lnTo>
-                  <a:pt x="1509024" y="446439"/>
-                </a:lnTo>
-                <a:lnTo>
-                  <a:pt x="1509024" y="446439"/>
-                </a:lnTo>
-                <a:lnTo>
-                  <a:pt x="0" y="446439"/>
-                </a:lnTo>
-                <a:lnTo>
-                  <a:pt x="0" y="446439"/>
-                </a:lnTo>
-                <a:lnTo>
-                  <a:pt x="0" y="74421"/>
-                </a:lnTo>
-                <a:cubicBezTo>
-                  <a:pt x="0" y="33319"/>
-                  <a:pt x="33319" y="0"/>
-                  <a:pt x="74421" y="0"/>
-                </a:cubicBezTo>
-                <a:close/>
-              </a:path>
-            </a:pathLst>
-          </a:custGeom>
-          <a:solidFill>
-            <a:srgbClr val="5C307D"/>
-          </a:solidFill>
-          <a:ln>
-            <a:noFill/>
-          </a:ln>
-        </p:spPr>
-        <p:style>
-          <a:lnRef idx="2">
-            <a:schemeClr val="accent1">
-              <a:hueOff val="0"/>
-              <a:satOff val="0"/>
-              <a:lumOff val="0"/>
-              <a:alphaOff val="0"/>
-            </a:schemeClr>
-          </a:lnRef>
-          <a:fillRef idx="1">
-            <a:scrgbClr r="0" g="0" b="0"/>
-          </a:fillRef>
-          <a:effectRef idx="0">
-            <a:schemeClr val="accent1">
-              <a:hueOff val="0"/>
-              <a:satOff val="0"/>
-              <a:lumOff val="0"/>
-              <a:alphaOff val="0"/>
-            </a:schemeClr>
-          </a:effectRef>
-          <a:fontRef idx="minor">
-            <a:schemeClr val="lt1"/>
-          </a:fontRef>
-        </p:style>
-        <p:txBody>
-          <a:bodyPr lIns="0" tIns="0" rIns="0" bIns="0" spcCol="1270" anchor="ctr"/>
-          <a:lstStyle/>
-          <a:p>
-            <a:pPr fontAlgn="auto">
-              <a:lnSpc>
-                <a:spcPct val="90000"/>
-              </a:lnSpc>
-              <a:spcAft>
-                <a:spcPct val="35000"/>
-              </a:spcAft>
-              <a:defRPr/>
-            </a:pPr>
-            <a:r>
-              <a:rPr lang="zh-CN" altLang="en-US" dirty="0">
-                <a:solidFill>
-                  <a:schemeClr val="bg1"/>
-                </a:solidFill>
-                <a:ea typeface="华文楷体" pitchFamily="2" charset="-122"/>
-              </a:rPr>
-              <a:t>开发教训</a:t>
-            </a:r>
-            <a:endParaRPr lang="zh-CN" altLang="en-US" dirty="0">
-              <a:solidFill>
-                <a:schemeClr val="bg1"/>
-              </a:solidFill>
-              <a:ea typeface="华文楷体" pitchFamily="2" charset="-122"/>
-            </a:endParaRPr>
-          </a:p>
-        </p:txBody>
-      </p:sp>
-      <p:sp>
-        <p:nvSpPr>
-          <p:cNvPr id="26" name="任意多边形 25"/>
-          <p:cNvSpPr/>
-          <p:nvPr/>
-        </p:nvSpPr>
-        <p:spPr>
-          <a:xfrm>
-            <a:off x="4819650" y="3978000"/>
-            <a:ext cx="3400425" cy="893762"/>
-          </a:xfrm>
-          <a:custGeom>
-            <a:avLst/>
-            <a:gdLst>
-              <a:gd name="connsiteX0" fmla="*/ 0 w 5803941"/>
-              <a:gd name="connsiteY0" fmla="*/ 0 h 893013"/>
-              <a:gd name="connsiteX1" fmla="*/ 5803941 w 5803941"/>
-              <a:gd name="connsiteY1" fmla="*/ 0 h 893013"/>
-              <a:gd name="connsiteX2" fmla="*/ 5803941 w 5803941"/>
-              <a:gd name="connsiteY2" fmla="*/ 893013 h 893013"/>
-              <a:gd name="connsiteX3" fmla="*/ 0 w 5803941"/>
-              <a:gd name="connsiteY3" fmla="*/ 893013 h 893013"/>
-              <a:gd name="connsiteX4" fmla="*/ 0 w 5803941"/>
-              <a:gd name="connsiteY4" fmla="*/ 0 h 893013"/>
-            </a:gdLst>
-            <a:ahLst/>
-            <a:cxnLst>
-              <a:cxn ang="0">
-                <a:pos x="connsiteX0" y="connsiteY0"/>
-              </a:cxn>
-              <a:cxn ang="0">
-                <a:pos x="connsiteX1" y="connsiteY1"/>
-              </a:cxn>
-              <a:cxn ang="0">
-                <a:pos x="connsiteX2" y="connsiteY2"/>
-              </a:cxn>
-              <a:cxn ang="0">
-                <a:pos x="connsiteX3" y="connsiteY3"/>
-              </a:cxn>
-              <a:cxn ang="0">
-                <a:pos x="connsiteX4" y="connsiteY4"/>
-              </a:cxn>
-            </a:cxnLst>
-            <a:rect l="l" t="t" r="r" b="b"/>
-            <a:pathLst>
-              <a:path w="5803941" h="893013">
-                <a:moveTo>
-                  <a:pt x="0" y="0"/>
-                </a:moveTo>
-                <a:lnTo>
-                  <a:pt x="5803941" y="0"/>
-                </a:lnTo>
-                <a:lnTo>
-                  <a:pt x="5803941" y="893013"/>
-                </a:lnTo>
-                <a:lnTo>
-                  <a:pt x="0" y="893013"/>
-                </a:lnTo>
-                <a:lnTo>
-                  <a:pt x="0" y="0"/>
-                </a:lnTo>
-                <a:close/>
-              </a:path>
-            </a:pathLst>
-          </a:custGeom>
-        </p:spPr>
-        <p:style>
-          <a:lnRef idx="0">
-            <a:schemeClr val="dk1">
-              <a:alpha val="0"/>
-              <a:hueOff val="0"/>
-              <a:satOff val="0"/>
-              <a:lumOff val="0"/>
-              <a:alphaOff val="0"/>
-            </a:schemeClr>
-          </a:lnRef>
-          <a:fillRef idx="0">
-            <a:schemeClr val="lt1">
-              <a:alpha val="0"/>
-              <a:hueOff val="0"/>
-              <a:satOff val="0"/>
-              <a:lumOff val="0"/>
-              <a:alphaOff val="0"/>
-            </a:schemeClr>
-          </a:fillRef>
-          <a:effectRef idx="0">
-            <a:schemeClr val="lt1">
-              <a:alpha val="0"/>
-              <a:hueOff val="0"/>
-              <a:satOff val="0"/>
-              <a:lumOff val="0"/>
-              <a:alphaOff val="0"/>
-            </a:schemeClr>
-          </a:effectRef>
-          <a:fontRef idx="minor">
-            <a:schemeClr val="tx1">
-              <a:hueOff val="0"/>
-              <a:satOff val="0"/>
-              <a:lumOff val="0"/>
-              <a:alphaOff val="0"/>
-            </a:schemeClr>
-          </a:fontRef>
-        </p:style>
-        <p:txBody>
-          <a:bodyPr lIns="38100" tIns="38100" rIns="38100" bIns="38100" spcCol="1270"/>
-          <a:lstStyle/>
-          <a:p>
-            <a:pPr marL="0" lvl="1" indent="0" fontAlgn="auto">
-              <a:lnSpc>
-                <a:spcPct val="90000"/>
-              </a:lnSpc>
-              <a:spcAft>
-                <a:spcPct val="15000"/>
-              </a:spcAft>
-              <a:buFontTx/>
-              <a:buNone/>
-              <a:defRPr/>
-            </a:pPr>
-            <a:r>
-              <a:rPr lang="zh-CN" altLang="en-US" dirty="0">
-                <a:solidFill>
-                  <a:schemeClr val="tx1">
-                    <a:lumMod val="75000"/>
-                    <a:lumOff val="25000"/>
-                  </a:schemeClr>
-                </a:solidFill>
-                <a:ea typeface="华文楷体" pitchFamily="2" charset="-122"/>
-              </a:rPr>
-              <a:t>本次毕设由于是第一次进行单片机项目开发，整个过程中犯了很多错误，包括零件购置、焊接等。</a:t>
-            </a:r>
-            <a:endParaRPr lang="zh-CN" altLang="en-US" dirty="0">
-              <a:solidFill>
-                <a:schemeClr val="tx1">
-                  <a:lumMod val="75000"/>
-                  <a:lumOff val="25000"/>
-                </a:schemeClr>
-              </a:solidFill>
-              <a:ea typeface="华文楷体" pitchFamily="2" charset="-122"/>
-            </a:endParaRPr>
-          </a:p>
-        </p:txBody>
-      </p:sp>
-      <p:sp>
-        <p:nvSpPr>
-          <p:cNvPr id="27" name="任意多边形 26"/>
-          <p:cNvSpPr/>
-          <p:nvPr/>
-        </p:nvSpPr>
-        <p:spPr>
-          <a:xfrm>
-            <a:off x="4879975" y="4799013"/>
-            <a:ext cx="936000" cy="432000"/>
-          </a:xfrm>
-          <a:custGeom>
-            <a:avLst/>
-            <a:gdLst>
-              <a:gd name="connsiteX0" fmla="*/ 74421 w 1509024"/>
-              <a:gd name="connsiteY0" fmla="*/ 0 h 446439"/>
-              <a:gd name="connsiteX1" fmla="*/ 1434603 w 1509024"/>
-              <a:gd name="connsiteY1" fmla="*/ 0 h 446439"/>
-              <a:gd name="connsiteX2" fmla="*/ 1509024 w 1509024"/>
-              <a:gd name="connsiteY2" fmla="*/ 74421 h 446439"/>
-              <a:gd name="connsiteX3" fmla="*/ 1509024 w 1509024"/>
-              <a:gd name="connsiteY3" fmla="*/ 446439 h 446439"/>
-              <a:gd name="connsiteX4" fmla="*/ 1509024 w 1509024"/>
-              <a:gd name="connsiteY4" fmla="*/ 446439 h 446439"/>
-              <a:gd name="connsiteX5" fmla="*/ 0 w 1509024"/>
-              <a:gd name="connsiteY5" fmla="*/ 446439 h 446439"/>
-              <a:gd name="connsiteX6" fmla="*/ 0 w 1509024"/>
-              <a:gd name="connsiteY6" fmla="*/ 446439 h 446439"/>
-              <a:gd name="connsiteX7" fmla="*/ 0 w 1509024"/>
-              <a:gd name="connsiteY7" fmla="*/ 74421 h 446439"/>
-              <a:gd name="connsiteX8" fmla="*/ 74421 w 1509024"/>
-              <a:gd name="connsiteY8" fmla="*/ 0 h 446439"/>
-            </a:gdLst>
-            <a:ahLst/>
-            <a:cxnLst>
-              <a:cxn ang="0">
-                <a:pos x="connsiteX0" y="connsiteY0"/>
-              </a:cxn>
-              <a:cxn ang="0">
-                <a:pos x="connsiteX1" y="connsiteY1"/>
-              </a:cxn>
-              <a:cxn ang="0">
-                <a:pos x="connsiteX2" y="connsiteY2"/>
-              </a:cxn>
-              <a:cxn ang="0">
-                <a:pos x="connsiteX3" y="connsiteY3"/>
-              </a:cxn>
-              <a:cxn ang="0">
-                <a:pos x="connsiteX4" y="connsiteY4"/>
-              </a:cxn>
-              <a:cxn ang="0">
-                <a:pos x="connsiteX5" y="connsiteY5"/>
-              </a:cxn>
-              <a:cxn ang="0">
-                <a:pos x="connsiteX6" y="connsiteY6"/>
-              </a:cxn>
-              <a:cxn ang="0">
-                <a:pos x="connsiteX7" y="connsiteY7"/>
-              </a:cxn>
-              <a:cxn ang="0">
-                <a:pos x="connsiteX8" y="connsiteY8"/>
-              </a:cxn>
-            </a:cxnLst>
-            <a:rect l="l" t="t" r="r" b="b"/>
-            <a:pathLst>
-              <a:path w="1509024" h="446439">
-                <a:moveTo>
-                  <a:pt x="74421" y="0"/>
-                </a:moveTo>
-                <a:lnTo>
-                  <a:pt x="1434603" y="0"/>
-                </a:lnTo>
-                <a:cubicBezTo>
-                  <a:pt x="1475705" y="0"/>
-                  <a:pt x="1509024" y="33319"/>
-                  <a:pt x="1509024" y="74421"/>
-                </a:cubicBezTo>
-                <a:lnTo>
-                  <a:pt x="1509024" y="446439"/>
-                </a:lnTo>
-                <a:lnTo>
-                  <a:pt x="1509024" y="446439"/>
-                </a:lnTo>
-                <a:lnTo>
-                  <a:pt x="0" y="446439"/>
-                </a:lnTo>
-                <a:lnTo>
-                  <a:pt x="0" y="446439"/>
-                </a:lnTo>
-                <a:lnTo>
-                  <a:pt x="0" y="74421"/>
-                </a:lnTo>
-                <a:cubicBezTo>
-                  <a:pt x="0" y="33319"/>
-                  <a:pt x="33319" y="0"/>
-                  <a:pt x="74421" y="0"/>
-                </a:cubicBezTo>
-                <a:close/>
-              </a:path>
-            </a:pathLst>
-          </a:custGeom>
-          <a:solidFill>
-            <a:srgbClr val="5C307D"/>
-          </a:solidFill>
-          <a:ln>
-            <a:noFill/>
-          </a:ln>
-        </p:spPr>
-        <p:style>
-          <a:lnRef idx="2">
-            <a:schemeClr val="accent1">
-              <a:hueOff val="0"/>
-              <a:satOff val="0"/>
-              <a:lumOff val="0"/>
-              <a:alphaOff val="0"/>
-            </a:schemeClr>
-          </a:lnRef>
-          <a:fillRef idx="1">
-            <a:scrgbClr r="0" g="0" b="0"/>
-          </a:fillRef>
-          <a:effectRef idx="0">
-            <a:schemeClr val="accent1">
-              <a:hueOff val="0"/>
-              <a:satOff val="0"/>
-              <a:lumOff val="0"/>
-              <a:alphaOff val="0"/>
-            </a:schemeClr>
-          </a:effectRef>
-          <a:fontRef idx="minor">
-            <a:schemeClr val="lt1"/>
-          </a:fontRef>
-        </p:style>
-        <p:txBody>
-          <a:bodyPr lIns="0" tIns="0" rIns="0" bIns="0" spcCol="1270" anchor="ctr"/>
-          <a:lstStyle/>
-          <a:p>
-            <a:pPr fontAlgn="auto">
-              <a:lnSpc>
-                <a:spcPct val="90000"/>
-              </a:lnSpc>
-              <a:spcAft>
-                <a:spcPct val="35000"/>
-              </a:spcAft>
-              <a:defRPr/>
-            </a:pPr>
-            <a:r>
-              <a:rPr lang="zh-CN" altLang="en-US" dirty="0">
-                <a:solidFill>
-                  <a:schemeClr val="bg1"/>
-                </a:solidFill>
-                <a:ea typeface="华文楷体" pitchFamily="2" charset="-122"/>
-              </a:rPr>
-              <a:t>经验总结</a:t>
-            </a:r>
-            <a:endParaRPr lang="zh-CN" altLang="en-US" dirty="0">
-              <a:solidFill>
-                <a:schemeClr val="bg1"/>
-              </a:solidFill>
-              <a:ea typeface="华文楷体" pitchFamily="2" charset="-122"/>
-            </a:endParaRPr>
-          </a:p>
-        </p:txBody>
-      </p:sp>
-      <p:sp>
-        <p:nvSpPr>
-          <p:cNvPr id="28" name="任意多边形 27"/>
-          <p:cNvSpPr/>
-          <p:nvPr/>
-        </p:nvSpPr>
-        <p:spPr>
-          <a:xfrm>
-            <a:off x="4879975" y="5338800"/>
-            <a:ext cx="3340100" cy="893762"/>
-          </a:xfrm>
-          <a:custGeom>
-            <a:avLst/>
-            <a:gdLst>
-              <a:gd name="connsiteX0" fmla="*/ 0 w 5803941"/>
-              <a:gd name="connsiteY0" fmla="*/ 0 h 893013"/>
-              <a:gd name="connsiteX1" fmla="*/ 5803941 w 5803941"/>
-              <a:gd name="connsiteY1" fmla="*/ 0 h 893013"/>
-              <a:gd name="connsiteX2" fmla="*/ 5803941 w 5803941"/>
-              <a:gd name="connsiteY2" fmla="*/ 893013 h 893013"/>
-              <a:gd name="connsiteX3" fmla="*/ 0 w 5803941"/>
-              <a:gd name="connsiteY3" fmla="*/ 893013 h 893013"/>
-              <a:gd name="connsiteX4" fmla="*/ 0 w 5803941"/>
-              <a:gd name="connsiteY4" fmla="*/ 0 h 893013"/>
-            </a:gdLst>
-            <a:ahLst/>
-            <a:cxnLst>
-              <a:cxn ang="0">
-                <a:pos x="connsiteX0" y="connsiteY0"/>
-              </a:cxn>
-              <a:cxn ang="0">
-                <a:pos x="connsiteX1" y="connsiteY1"/>
-              </a:cxn>
-              <a:cxn ang="0">
-                <a:pos x="connsiteX2" y="connsiteY2"/>
-              </a:cxn>
-              <a:cxn ang="0">
-                <a:pos x="connsiteX3" y="connsiteY3"/>
-              </a:cxn>
-              <a:cxn ang="0">
-                <a:pos x="connsiteX4" y="connsiteY4"/>
-              </a:cxn>
-            </a:cxnLst>
-            <a:rect l="l" t="t" r="r" b="b"/>
-            <a:pathLst>
-              <a:path w="5803941" h="893013">
-                <a:moveTo>
-                  <a:pt x="0" y="0"/>
-                </a:moveTo>
-                <a:lnTo>
-                  <a:pt x="5803941" y="0"/>
-                </a:lnTo>
-                <a:lnTo>
-                  <a:pt x="5803941" y="893013"/>
-                </a:lnTo>
-                <a:lnTo>
-                  <a:pt x="0" y="893013"/>
-                </a:lnTo>
-                <a:lnTo>
-                  <a:pt x="0" y="0"/>
-                </a:lnTo>
-                <a:close/>
-              </a:path>
-            </a:pathLst>
-          </a:custGeom>
-        </p:spPr>
-        <p:style>
-          <a:lnRef idx="0">
-            <a:schemeClr val="dk1">
-              <a:alpha val="0"/>
-              <a:hueOff val="0"/>
-              <a:satOff val="0"/>
-              <a:lumOff val="0"/>
-              <a:alphaOff val="0"/>
-            </a:schemeClr>
-          </a:lnRef>
-          <a:fillRef idx="0">
-            <a:schemeClr val="lt1">
-              <a:alpha val="0"/>
-              <a:hueOff val="0"/>
-              <a:satOff val="0"/>
-              <a:lumOff val="0"/>
-              <a:alphaOff val="0"/>
-            </a:schemeClr>
-          </a:fillRef>
-          <a:effectRef idx="0">
-            <a:schemeClr val="lt1">
-              <a:alpha val="0"/>
-              <a:hueOff val="0"/>
-              <a:satOff val="0"/>
-              <a:lumOff val="0"/>
-              <a:alphaOff val="0"/>
-            </a:schemeClr>
-          </a:effectRef>
-          <a:fontRef idx="minor">
-            <a:schemeClr val="tx1">
-              <a:hueOff val="0"/>
-              <a:satOff val="0"/>
-              <a:lumOff val="0"/>
-              <a:alphaOff val="0"/>
-            </a:schemeClr>
-          </a:fontRef>
-        </p:style>
-        <p:txBody>
-          <a:bodyPr lIns="38100" tIns="38100" rIns="38100" bIns="38100" spcCol="1270"/>
-          <a:lstStyle/>
-          <a:p>
-            <a:pPr marL="0" lvl="1" indent="0" fontAlgn="auto">
-              <a:lnSpc>
-                <a:spcPct val="90000"/>
-              </a:lnSpc>
-              <a:spcAft>
-                <a:spcPct val="15000"/>
-              </a:spcAft>
-              <a:buFontTx/>
-              <a:buNone/>
-              <a:defRPr/>
-            </a:pPr>
-            <a:r>
-              <a:rPr lang="zh-CN" altLang="en-US" dirty="0">
-                <a:solidFill>
-                  <a:schemeClr val="tx1">
-                    <a:lumMod val="75000"/>
-                    <a:lumOff val="25000"/>
-                  </a:schemeClr>
-                </a:solidFill>
-                <a:ea typeface="华文楷体" pitchFamily="2" charset="-122"/>
-              </a:rPr>
-              <a:t>对于项目的功能，以及开发中遇到的问题应该提前进行预估，不是等到发生后再去想办法解决。</a:t>
-            </a:r>
-            <a:endParaRPr lang="zh-CN" altLang="en-US" dirty="0">
-              <a:solidFill>
-                <a:schemeClr val="tx1">
-                  <a:lumMod val="75000"/>
-                  <a:lumOff val="25000"/>
-                </a:schemeClr>
-              </a:solidFill>
-              <a:ea typeface="华文楷体" pitchFamily="2" charset="-122"/>
-            </a:endParaRPr>
-          </a:p>
-        </p:txBody>
-      </p:sp>
-      <p:sp>
-        <p:nvSpPr>
-          <p:cNvPr id="31" name="TextBox 29"/>
-          <p:cNvSpPr txBox="1"/>
-          <p:nvPr/>
-        </p:nvSpPr>
-        <p:spPr>
-          <a:xfrm>
-            <a:off x="254000" y="2638425"/>
-            <a:ext cx="4268788" cy="1297940"/>
+        </p:nvSpPr>
+        <p:spPr bwMode="auto">
+          <a:xfrm>
+            <a:off x="4029711" y="1303338"/>
+            <a:ext cx="1097280" cy="365760"/>
           </a:xfrm>
           <a:prstGeom prst="rect">
             <a:avLst/>
           </a:prstGeom>
           <a:noFill/>
-        </p:spPr>
-        <p:txBody>
-          <a:bodyPr>
+          <a:ln w="9525">
+            <a:noFill/>
+            <a:miter lim="800000"/>
+          </a:ln>
+        </p:spPr>
+        <p:txBody>
+          <a:bodyPr wrap="none">
             <a:spAutoFit/>
           </a:bodyPr>
           <a:lstStyle/>
           <a:p>
-            <a:pPr fontAlgn="auto">
-              <a:lnSpc>
-                <a:spcPct val="110000"/>
-              </a:lnSpc>
-              <a:spcBef>
-                <a:spcPts val="0"/>
-              </a:spcBef>
-              <a:spcAft>
-                <a:spcPts val="0"/>
-              </a:spcAft>
-              <a:defRPr/>
-            </a:pPr>
-            <a:r>
-              <a:rPr lang="zh-CN" altLang="en-US" dirty="0">
-                <a:solidFill>
-                  <a:schemeClr val="tx1">
-                    <a:lumMod val="75000"/>
-                    <a:lumOff val="25000"/>
-                  </a:schemeClr>
-                </a:solidFill>
-                <a:latin typeface="+mn-lt"/>
-                <a:ea typeface="华文楷体" pitchFamily="2" charset="-122"/>
-                <a:sym typeface="+mn-ea"/>
-              </a:rPr>
-              <a:t>本次毕设完成后，收获非常多，例如对单片机项目开发设计流程的了解，自己开发时犯的错误，还有本次设计完成后的经验总结。</a:t>
-            </a:r>
-            <a:endParaRPr lang="zh-CN" altLang="en-US" dirty="0">
-              <a:solidFill>
-                <a:schemeClr val="tx1">
-                  <a:lumMod val="75000"/>
-                  <a:lumOff val="25000"/>
-                </a:schemeClr>
-              </a:solidFill>
-              <a:latin typeface="+mn-lt"/>
-              <a:ea typeface="华文楷体" pitchFamily="2" charset="-122"/>
-            </a:endParaRPr>
-          </a:p>
-        </p:txBody>
-      </p:sp>
-      <p:cxnSp>
-        <p:nvCxnSpPr>
-          <p:cNvPr id="5" name="直接连接符 4"/>
-          <p:cNvCxnSpPr/>
-          <p:nvPr/>
-        </p:nvCxnSpPr>
-        <p:spPr>
-          <a:xfrm>
-            <a:off x="382588" y="5953125"/>
-            <a:ext cx="3998912" cy="0"/>
-          </a:xfrm>
-          <a:prstGeom prst="line">
-            <a:avLst/>
-          </a:prstGeom>
-          <a:ln>
-            <a:solidFill>
-              <a:schemeClr val="tx1">
-                <a:lumMod val="75000"/>
-                <a:lumOff val="25000"/>
-              </a:schemeClr>
-            </a:solidFill>
-          </a:ln>
-        </p:spPr>
-        <p:style>
-          <a:lnRef idx="1">
-            <a:schemeClr val="accent1"/>
-          </a:lnRef>
-          <a:fillRef idx="0">
-            <a:schemeClr val="accent1"/>
-          </a:fillRef>
-          <a:effectRef idx="0">
-            <a:schemeClr val="accent1"/>
-          </a:effectRef>
-          <a:fontRef idx="minor">
-            <a:schemeClr val="tx1"/>
-          </a:fontRef>
-        </p:style>
-      </p:cxnSp>
-      <p:sp>
-        <p:nvSpPr>
-          <p:cNvPr id="34" name="TextBox 30"/>
-          <p:cNvSpPr txBox="1"/>
-          <p:nvPr/>
-        </p:nvSpPr>
-        <p:spPr>
-          <a:xfrm>
-            <a:off x="687070" y="2100580"/>
-            <a:ext cx="3596640" cy="457200"/>
-          </a:xfrm>
-          <a:prstGeom prst="rect">
-            <a:avLst/>
-          </a:prstGeom>
-          <a:noFill/>
-          <a:ln>
-            <a:noFill/>
-          </a:ln>
-        </p:spPr>
-        <p:txBody>
-          <a:bodyPr wrap="square">
-            <a:spAutoFit/>
-          </a:bodyPr>
-          <a:lstStyle/>
-          <a:p>
-            <a:pPr fontAlgn="auto">
-              <a:spcBef>
-                <a:spcPts val="0"/>
-              </a:spcBef>
-              <a:spcAft>
-                <a:spcPts val="0"/>
-              </a:spcAft>
-              <a:defRPr/>
-            </a:pPr>
-            <a:r>
-              <a:rPr lang="zh-CN" altLang="en-US" sz="2400" b="1" dirty="0">
-                <a:solidFill>
-                  <a:schemeClr val="tx1">
-                    <a:lumMod val="75000"/>
-                    <a:lumOff val="25000"/>
-                  </a:schemeClr>
-                </a:solidFill>
-                <a:latin typeface="+mn-lt"/>
-                <a:ea typeface="华文楷体" pitchFamily="2" charset="-122"/>
+            <a:pPr algn="ctr"/>
+            <a:r>
+              <a:rPr lang="zh-CN" altLang="en-US">
+                <a:latin typeface="华文楷体"/>
+                <a:ea typeface="华文楷体"/>
+                <a:cs typeface="华文楷体"/>
               </a:rPr>
               <a:t>研究结论</a:t>
             </a:r>
-            <a:endParaRPr lang="zh-CN" altLang="en-US" sz="2400" b="1" dirty="0">
-              <a:solidFill>
-                <a:schemeClr val="tx1">
-                  <a:lumMod val="75000"/>
-                  <a:lumOff val="25000"/>
-                </a:schemeClr>
-              </a:solidFill>
-              <a:latin typeface="+mn-lt"/>
-              <a:ea typeface="华文楷体" pitchFamily="2" charset="-122"/>
+            <a:endParaRPr lang="zh-CN" altLang="en-US">
+              <a:latin typeface="华文楷体"/>
+              <a:ea typeface="华文楷体"/>
+              <a:cs typeface="华文楷体"/>
             </a:endParaRPr>
-          </a:p>
-        </p:txBody>
-      </p:sp>
-      <p:sp>
-        <p:nvSpPr>
-          <p:cNvPr id="36" name="矩形 35"/>
-          <p:cNvSpPr/>
-          <p:nvPr/>
-        </p:nvSpPr>
-        <p:spPr>
-          <a:xfrm>
-            <a:off x="382588" y="2173288"/>
-            <a:ext cx="269875" cy="269875"/>
-          </a:xfrm>
-          <a:prstGeom prst="rect">
-            <a:avLst/>
-          </a:prstGeom>
-          <a:gradFill>
-            <a:gsLst>
-              <a:gs pos="0">
-                <a:srgbClr val="7B32B2"/>
-              </a:gs>
-              <a:gs pos="100000">
-                <a:srgbClr val="401A5D"/>
-              </a:gs>
-            </a:gsLst>
-            <a:lin ang="5400000" scaled="0"/>
-          </a:gradFill>
-          <a:ln>
-            <a:solidFill>
-              <a:srgbClr val="5C307D"/>
-            </a:solidFill>
-          </a:ln>
-        </p:spPr>
-        <p:style>
-          <a:lnRef idx="2">
-            <a:schemeClr val="accent1">
-              <a:shade val="50000"/>
-            </a:schemeClr>
-          </a:lnRef>
-          <a:fillRef idx="1">
-            <a:schemeClr val="accent1"/>
-          </a:fillRef>
-          <a:effectRef idx="0">
-            <a:schemeClr val="accent1"/>
-          </a:effectRef>
-          <a:fontRef idx="minor">
-            <a:schemeClr val="lt1"/>
-          </a:fontRef>
-        </p:style>
-        <p:txBody>
-          <a:bodyPr anchor="ctr"/>
-          <a:lstStyle/>
-          <a:p>
-            <a:pPr algn="ctr" fontAlgn="auto">
-              <a:spcBef>
-                <a:spcPts val="0"/>
-              </a:spcBef>
-              <a:spcAft>
-                <a:spcPts val="0"/>
-              </a:spcAft>
-              <a:defRPr/>
-            </a:pPr>
-            <a:endParaRPr lang="zh-CN" altLang="en-US"/>
           </a:p>
         </p:txBody>
       </p:sp>
@@ -16634,6 +17048,129 @@
             <a:endParaRPr lang="zh-CN" altLang="en-US" sz="3600" i="1">
               <a:latin typeface="楷体" charset="0"/>
               <a:ea typeface="楷体" charset="0"/>
+            </a:endParaRPr>
+          </a:p>
+        </p:txBody>
+      </p:sp>
+      <p:sp>
+        <p:nvSpPr>
+          <p:cNvPr id="7" name="文本框 6"/>
+          <p:cNvSpPr txBox="1"/>
+          <p:nvPr/>
+        </p:nvSpPr>
+        <p:spPr>
+          <a:xfrm>
+            <a:off x="748030" y="2042795"/>
+            <a:ext cx="7496175" cy="1188720"/>
+          </a:xfrm>
+          <a:prstGeom prst="rect">
+            <a:avLst/>
+          </a:prstGeom>
+          <a:noFill/>
+        </p:spPr>
+        <p:txBody>
+          <a:bodyPr wrap="square" rtlCol="0">
+            <a:spAutoFit/>
+          </a:bodyPr>
+          <a:p>
+            <a:r>
+              <a:rPr lang="zh-CN" altLang="en-US">
+                <a:latin typeface="华文楷体" charset="0"/>
+                <a:ea typeface="华文楷体" charset="0"/>
+              </a:rPr>
+              <a:t>采购硬件：</a:t>
+            </a:r>
+            <a:r>
+              <a:rPr lang="en-US" altLang="zh-CN">
+                <a:latin typeface="华文楷体" charset="0"/>
+                <a:ea typeface="华文楷体" charset="0"/>
+              </a:rPr>
+              <a:t>STC89C52RC</a:t>
+            </a:r>
+            <a:r>
+              <a:rPr lang="zh-CN" altLang="en-US">
+                <a:latin typeface="华文楷体" charset="0"/>
+                <a:ea typeface="华文楷体" charset="0"/>
+              </a:rPr>
+              <a:t>单片机；</a:t>
+            </a:r>
+            <a:r>
+              <a:rPr lang="en-US" altLang="zh-CN">
+                <a:latin typeface="华文楷体" charset="0"/>
+                <a:ea typeface="华文楷体" charset="0"/>
+              </a:rPr>
+              <a:t>HC-06</a:t>
+            </a:r>
+            <a:r>
+              <a:rPr lang="zh-CN" altLang="en-US">
+                <a:latin typeface="华文楷体" charset="0"/>
+                <a:ea typeface="华文楷体" charset="0"/>
+              </a:rPr>
+              <a:t>蓝牙适配器：两组红外对管；</a:t>
+            </a:r>
+            <a:endParaRPr lang="zh-CN" altLang="en-US">
+              <a:latin typeface="华文楷体" charset="0"/>
+              <a:ea typeface="华文楷体" charset="0"/>
+            </a:endParaRPr>
+          </a:p>
+          <a:p>
+            <a:r>
+              <a:rPr lang="zh-CN" altLang="en-US">
+                <a:latin typeface="华文楷体" charset="0"/>
+                <a:ea typeface="华文楷体" charset="0"/>
+              </a:rPr>
+              <a:t>红外信号接收器；超声波传感器；舵机；小车底盘；蓄电池；直流电机。</a:t>
+            </a:r>
+            <a:endParaRPr lang="zh-CN" altLang="en-US">
+              <a:latin typeface="华文楷体" charset="0"/>
+              <a:ea typeface="华文楷体" charset="0"/>
+            </a:endParaRPr>
+          </a:p>
+          <a:p>
+            <a:endParaRPr lang="zh-CN" altLang="en-US">
+              <a:latin typeface="华文楷体" charset="0"/>
+              <a:ea typeface="华文楷体" charset="0"/>
+            </a:endParaRPr>
+          </a:p>
+          <a:p>
+            <a:r>
+              <a:rPr lang="zh-CN" altLang="en-US">
+                <a:latin typeface="华文楷体" charset="0"/>
+                <a:ea typeface="华文楷体" charset="0"/>
+              </a:rPr>
+              <a:t>涉及技术：</a:t>
+            </a:r>
+            <a:r>
+              <a:rPr lang="en-US" altLang="zh-CN">
+                <a:latin typeface="华文楷体" charset="0"/>
+                <a:ea typeface="华文楷体" charset="0"/>
+              </a:rPr>
+              <a:t>H</a:t>
+            </a:r>
+            <a:r>
+              <a:rPr lang="zh-CN" altLang="en-US">
+                <a:latin typeface="华文楷体" charset="0"/>
+                <a:ea typeface="华文楷体" charset="0"/>
+              </a:rPr>
+              <a:t>桥路；</a:t>
+            </a:r>
+            <a:r>
+              <a:rPr lang="en-US" altLang="zh-CN">
+                <a:latin typeface="华文楷体" charset="0"/>
+                <a:ea typeface="华文楷体" charset="0"/>
+              </a:rPr>
+              <a:t>pwm</a:t>
+            </a:r>
+            <a:r>
+              <a:rPr lang="zh-CN" altLang="en-US">
+                <a:latin typeface="华文楷体" charset="0"/>
+                <a:ea typeface="华文楷体" charset="0"/>
+              </a:rPr>
+              <a:t>调速；中断。</a:t>
+            </a:r>
+            <a:endParaRPr lang="zh-CN" altLang="en-US">
+              <a:latin typeface="华文楷体" charset="0"/>
+              <a:ea typeface="华文楷体" charset="0"/>
             </a:endParaRPr>
           </a:p>
         </p:txBody>
